--- a/Apmacošais_Materials.pptx
+++ b/Apmacošais_Materials.pptx
@@ -15,10 +15,11 @@
     <p:sldId id="262" r:id="rId9"/>
     <p:sldId id="263" r:id="rId10"/>
     <p:sldId id="264" r:id="rId11"/>
-    <p:sldId id="267" r:id="rId12"/>
-    <p:sldId id="268" r:id="rId13"/>
-    <p:sldId id="269" r:id="rId14"/>
-    <p:sldId id="270" r:id="rId15"/>
+    <p:sldId id="271" r:id="rId12"/>
+    <p:sldId id="267" r:id="rId13"/>
+    <p:sldId id="268" r:id="rId14"/>
+    <p:sldId id="269" r:id="rId15"/>
+    <p:sldId id="270" r:id="rId16"/>
   </p:sldIdLst>
   <p:sldSz cx="12192000" cy="6858000"/>
   <p:notesSz cx="6858000" cy="9144000"/>
@@ -130,8 +131,10 @@
   <p1510:revLst>
     <p1510:client id="{394B74AC-9BB4-410A-9D4A-528059E801E1}" v="25" dt="2023-06-23T09:57:49.849"/>
     <p1510:client id="{A09FB33C-8E11-E726-6FFE-34AE8D163AB9}" v="664" dt="2023-06-24T14:41:42.216"/>
+    <p1510:client id="{BB73A7FA-4913-3CC3-7FC3-745BD6733F90}" v="37" dt="2023-06-25T13:06:24.137"/>
     <p1510:client id="{BE07CAE7-3CFD-9436-FC92-6F4F970A1F21}" v="85" dt="2023-06-25T10:21:33.198"/>
     <p1510:client id="{DDB6D162-1D68-8DD9-9E81-B847FAD4AC6B}" v="631" dt="2023-06-23T14:46:34.407"/>
+    <p1510:client id="{E116E75C-D950-5647-C724-E278FFB8CFD5}" v="86" dt="2023-06-26T08:25:27.593"/>
   </p1510:revLst>
 </p1510:revInfo>
 </file>
@@ -418,6 +421,277 @@
     </pc:docChg>
   </pc:docChgLst>
   <pc:docChgLst>
+    <pc:chgData name="Māris Klaiva" userId="S::maris.klaiva@sk.lvt.lv::5e8ec568-22a0-43d9-af27-03b73ad9ed53" providerId="AD" clId="Web-{A09FB33C-8E11-E726-6FFE-34AE8D163AB9}"/>
+    <pc:docChg chg="addSld modSld">
+      <pc:chgData name="Māris Klaiva" userId="S::maris.klaiva@sk.lvt.lv::5e8ec568-22a0-43d9-af27-03b73ad9ed53" providerId="AD" clId="Web-{A09FB33C-8E11-E726-6FFE-34AE8D163AB9}" dt="2023-06-24T14:41:42.216" v="644" actId="1076"/>
+      <pc:docMkLst>
+        <pc:docMk/>
+      </pc:docMkLst>
+      <pc:sldChg chg="modSp">
+        <pc:chgData name="Māris Klaiva" userId="S::maris.klaiva@sk.lvt.lv::5e8ec568-22a0-43d9-af27-03b73ad9ed53" providerId="AD" clId="Web-{A09FB33C-8E11-E726-6FFE-34AE8D163AB9}" dt="2023-06-24T09:28:45.061" v="207" actId="20577"/>
+        <pc:sldMkLst>
+          <pc:docMk/>
+          <pc:sldMk cId="3990300467" sldId="260"/>
+        </pc:sldMkLst>
+        <pc:spChg chg="mod">
+          <ac:chgData name="Māris Klaiva" userId="S::maris.klaiva@sk.lvt.lv::5e8ec568-22a0-43d9-af27-03b73ad9ed53" providerId="AD" clId="Web-{A09FB33C-8E11-E726-6FFE-34AE8D163AB9}" dt="2023-06-24T09:28:45.061" v="207" actId="20577"/>
+          <ac:spMkLst>
+            <pc:docMk/>
+            <pc:sldMk cId="3990300467" sldId="260"/>
+            <ac:spMk id="2" creationId="{16D4C5D4-4C7C-C745-0148-DC80FD67372F}"/>
+          </ac:spMkLst>
+        </pc:spChg>
+      </pc:sldChg>
+      <pc:sldChg chg="modSp">
+        <pc:chgData name="Māris Klaiva" userId="S::maris.klaiva@sk.lvt.lv::5e8ec568-22a0-43d9-af27-03b73ad9ed53" providerId="AD" clId="Web-{A09FB33C-8E11-E726-6FFE-34AE8D163AB9}" dt="2023-06-24T09:28:34.889" v="205" actId="20577"/>
+        <pc:sldMkLst>
+          <pc:docMk/>
+          <pc:sldMk cId="2286531972" sldId="261"/>
+        </pc:sldMkLst>
+        <pc:spChg chg="mod">
+          <ac:chgData name="Māris Klaiva" userId="S::maris.klaiva@sk.lvt.lv::5e8ec568-22a0-43d9-af27-03b73ad9ed53" providerId="AD" clId="Web-{A09FB33C-8E11-E726-6FFE-34AE8D163AB9}" dt="2023-06-24T09:28:34.889" v="205" actId="20577"/>
+          <ac:spMkLst>
+            <pc:docMk/>
+            <pc:sldMk cId="2286531972" sldId="261"/>
+            <ac:spMk id="2" creationId="{6A748A63-01C3-2793-2D89-6FFAE060360F}"/>
+          </ac:spMkLst>
+        </pc:spChg>
+      </pc:sldChg>
+      <pc:sldChg chg="addSp modSp">
+        <pc:chgData name="Māris Klaiva" userId="S::maris.klaiva@sk.lvt.lv::5e8ec568-22a0-43d9-af27-03b73ad9ed53" providerId="AD" clId="Web-{A09FB33C-8E11-E726-6FFE-34AE8D163AB9}" dt="2023-06-24T09:30:17.080" v="258" actId="20577"/>
+        <pc:sldMkLst>
+          <pc:docMk/>
+          <pc:sldMk cId="3274119948" sldId="262"/>
+        </pc:sldMkLst>
+        <pc:spChg chg="mod">
+          <ac:chgData name="Māris Klaiva" userId="S::maris.klaiva@sk.lvt.lv::5e8ec568-22a0-43d9-af27-03b73ad9ed53" providerId="AD" clId="Web-{A09FB33C-8E11-E726-6FFE-34AE8D163AB9}" dt="2023-06-24T09:21:14.495" v="147" actId="20577"/>
+          <ac:spMkLst>
+            <pc:docMk/>
+            <pc:sldMk cId="3274119948" sldId="262"/>
+            <ac:spMk id="2" creationId="{BEABCAA4-D71E-D8E8-278F-580F38DBA2E6}"/>
+          </ac:spMkLst>
+        </pc:spChg>
+        <pc:spChg chg="mod">
+          <ac:chgData name="Māris Klaiva" userId="S::maris.klaiva@sk.lvt.lv::5e8ec568-22a0-43d9-af27-03b73ad9ed53" providerId="AD" clId="Web-{A09FB33C-8E11-E726-6FFE-34AE8D163AB9}" dt="2023-06-24T09:30:17.080" v="258" actId="20577"/>
+          <ac:spMkLst>
+            <pc:docMk/>
+            <pc:sldMk cId="3274119948" sldId="262"/>
+            <ac:spMk id="3" creationId="{6E465AF3-5791-D917-D340-CB5F3588DB59}"/>
+          </ac:spMkLst>
+        </pc:spChg>
+        <pc:picChg chg="add mod">
+          <ac:chgData name="Māris Klaiva" userId="S::maris.klaiva@sk.lvt.lv::5e8ec568-22a0-43d9-af27-03b73ad9ed53" providerId="AD" clId="Web-{A09FB33C-8E11-E726-6FFE-34AE8D163AB9}" dt="2023-06-24T09:29:17.687" v="209" actId="1076"/>
+          <ac:picMkLst>
+            <pc:docMk/>
+            <pc:sldMk cId="3274119948" sldId="262"/>
+            <ac:picMk id="4" creationId="{1F19A6ED-4167-6E98-D751-0A23278B4875}"/>
+          </ac:picMkLst>
+        </pc:picChg>
+      </pc:sldChg>
+      <pc:sldChg chg="addSp modSp">
+        <pc:chgData name="Māris Klaiva" userId="S::maris.klaiva@sk.lvt.lv::5e8ec568-22a0-43d9-af27-03b73ad9ed53" providerId="AD" clId="Web-{A09FB33C-8E11-E726-6FFE-34AE8D163AB9}" dt="2023-06-24T14:08:56.608" v="464" actId="1076"/>
+        <pc:sldMkLst>
+          <pc:docMk/>
+          <pc:sldMk cId="3975778812" sldId="263"/>
+        </pc:sldMkLst>
+        <pc:spChg chg="mod">
+          <ac:chgData name="Māris Klaiva" userId="S::maris.klaiva@sk.lvt.lv::5e8ec568-22a0-43d9-af27-03b73ad9ed53" providerId="AD" clId="Web-{A09FB33C-8E11-E726-6FFE-34AE8D163AB9}" dt="2023-06-24T09:34:13.230" v="267" actId="20577"/>
+          <ac:spMkLst>
+            <pc:docMk/>
+            <pc:sldMk cId="3975778812" sldId="263"/>
+            <ac:spMk id="2" creationId="{7F6A8F5E-30FA-1662-4C81-D7F52D70D721}"/>
+          </ac:spMkLst>
+        </pc:spChg>
+        <pc:spChg chg="mod">
+          <ac:chgData name="Māris Klaiva" userId="S::maris.klaiva@sk.lvt.lv::5e8ec568-22a0-43d9-af27-03b73ad9ed53" providerId="AD" clId="Web-{A09FB33C-8E11-E726-6FFE-34AE8D163AB9}" dt="2023-06-24T14:08:47.248" v="462" actId="20577"/>
+          <ac:spMkLst>
+            <pc:docMk/>
+            <pc:sldMk cId="3975778812" sldId="263"/>
+            <ac:spMk id="3" creationId="{2E97CA2C-463A-74B6-70D3-C8B96267F470}"/>
+          </ac:spMkLst>
+        </pc:spChg>
+        <pc:picChg chg="add mod">
+          <ac:chgData name="Māris Klaiva" userId="S::maris.klaiva@sk.lvt.lv::5e8ec568-22a0-43d9-af27-03b73ad9ed53" providerId="AD" clId="Web-{A09FB33C-8E11-E726-6FFE-34AE8D163AB9}" dt="2023-06-24T14:08:53.061" v="463" actId="1076"/>
+          <ac:picMkLst>
+            <pc:docMk/>
+            <pc:sldMk cId="3975778812" sldId="263"/>
+            <ac:picMk id="4" creationId="{8F4C579D-1EFE-3462-8A5F-D7CFFBDDEE38}"/>
+          </ac:picMkLst>
+        </pc:picChg>
+        <pc:picChg chg="add mod">
+          <ac:chgData name="Māris Klaiva" userId="S::maris.klaiva@sk.lvt.lv::5e8ec568-22a0-43d9-af27-03b73ad9ed53" providerId="AD" clId="Web-{A09FB33C-8E11-E726-6FFE-34AE8D163AB9}" dt="2023-06-24T14:08:56.608" v="464" actId="1076"/>
+          <ac:picMkLst>
+            <pc:docMk/>
+            <pc:sldMk cId="3975778812" sldId="263"/>
+            <ac:picMk id="5" creationId="{833B1107-BEB2-48EC-89A4-8B96824AFAEE}"/>
+          </ac:picMkLst>
+        </pc:picChg>
+      </pc:sldChg>
+      <pc:sldChg chg="addSp modSp">
+        <pc:chgData name="Māris Klaiva" userId="S::maris.klaiva@sk.lvt.lv::5e8ec568-22a0-43d9-af27-03b73ad9ed53" providerId="AD" clId="Web-{A09FB33C-8E11-E726-6FFE-34AE8D163AB9}" dt="2023-06-24T14:13:20.964" v="482" actId="1076"/>
+        <pc:sldMkLst>
+          <pc:docMk/>
+          <pc:sldMk cId="2500901508" sldId="264"/>
+        </pc:sldMkLst>
+        <pc:spChg chg="mod">
+          <ac:chgData name="Māris Klaiva" userId="S::maris.klaiva@sk.lvt.lv::5e8ec568-22a0-43d9-af27-03b73ad9ed53" providerId="AD" clId="Web-{A09FB33C-8E11-E726-6FFE-34AE8D163AB9}" dt="2023-06-24T13:53:36.971" v="305" actId="20577"/>
+          <ac:spMkLst>
+            <pc:docMk/>
+            <pc:sldMk cId="2500901508" sldId="264"/>
+            <ac:spMk id="2" creationId="{F82B05AE-9885-C610-B4F7-2798392CE1CC}"/>
+          </ac:spMkLst>
+        </pc:spChg>
+        <pc:spChg chg="mod">
+          <ac:chgData name="Māris Klaiva" userId="S::maris.klaiva@sk.lvt.lv::5e8ec568-22a0-43d9-af27-03b73ad9ed53" providerId="AD" clId="Web-{A09FB33C-8E11-E726-6FFE-34AE8D163AB9}" dt="2023-06-24T13:58:21.797" v="415" actId="20577"/>
+          <ac:spMkLst>
+            <pc:docMk/>
+            <pc:sldMk cId="2500901508" sldId="264"/>
+            <ac:spMk id="3" creationId="{001D01F2-F038-F6E9-D664-9A77CC213438}"/>
+          </ac:spMkLst>
+        </pc:spChg>
+        <pc:picChg chg="add mod">
+          <ac:chgData name="Māris Klaiva" userId="S::maris.klaiva@sk.lvt.lv::5e8ec568-22a0-43d9-af27-03b73ad9ed53" providerId="AD" clId="Web-{A09FB33C-8E11-E726-6FFE-34AE8D163AB9}" dt="2023-06-24T14:13:20.964" v="482" actId="1076"/>
+          <ac:picMkLst>
+            <pc:docMk/>
+            <pc:sldMk cId="2500901508" sldId="264"/>
+            <ac:picMk id="4" creationId="{14A2C72F-6E11-094C-7779-83EB1097074B}"/>
+          </ac:picMkLst>
+        </pc:picChg>
+      </pc:sldChg>
+      <pc:sldChg chg="addSp modSp new">
+        <pc:chgData name="Māris Klaiva" userId="S::maris.klaiva@sk.lvt.lv::5e8ec568-22a0-43d9-af27-03b73ad9ed53" providerId="AD" clId="Web-{A09FB33C-8E11-E726-6FFE-34AE8D163AB9}" dt="2023-06-24T08:11:46.655" v="67" actId="14100"/>
+        <pc:sldMkLst>
+          <pc:docMk/>
+          <pc:sldMk cId="2988171198" sldId="265"/>
+        </pc:sldMkLst>
+        <pc:spChg chg="mod">
+          <ac:chgData name="Māris Klaiva" userId="S::maris.klaiva@sk.lvt.lv::5e8ec568-22a0-43d9-af27-03b73ad9ed53" providerId="AD" clId="Web-{A09FB33C-8E11-E726-6FFE-34AE8D163AB9}" dt="2023-06-24T08:05:51.735" v="55" actId="20577"/>
+          <ac:spMkLst>
+            <pc:docMk/>
+            <pc:sldMk cId="2988171198" sldId="265"/>
+            <ac:spMk id="2" creationId="{02D3BFAF-AF46-FE9D-2EF8-564C8B88CA97}"/>
+          </ac:spMkLst>
+        </pc:spChg>
+        <pc:spChg chg="mod">
+          <ac:chgData name="Māris Klaiva" userId="S::maris.klaiva@sk.lvt.lv::5e8ec568-22a0-43d9-af27-03b73ad9ed53" providerId="AD" clId="Web-{A09FB33C-8E11-E726-6FFE-34AE8D163AB9}" dt="2023-06-24T08:11:37.592" v="62" actId="20577"/>
+          <ac:spMkLst>
+            <pc:docMk/>
+            <pc:sldMk cId="2988171198" sldId="265"/>
+            <ac:spMk id="3" creationId="{8281F76A-8BA4-331E-2B54-4CF94B55AC70}"/>
+          </ac:spMkLst>
+        </pc:spChg>
+        <pc:picChg chg="add mod">
+          <ac:chgData name="Māris Klaiva" userId="S::maris.klaiva@sk.lvt.lv::5e8ec568-22a0-43d9-af27-03b73ad9ed53" providerId="AD" clId="Web-{A09FB33C-8E11-E726-6FFE-34AE8D163AB9}" dt="2023-06-24T08:11:46.655" v="67" actId="14100"/>
+          <ac:picMkLst>
+            <pc:docMk/>
+            <pc:sldMk cId="2988171198" sldId="265"/>
+            <ac:picMk id="4" creationId="{BDC64D76-32C1-7A32-0FC7-887683D05DE5}"/>
+          </ac:picMkLst>
+        </pc:picChg>
+      </pc:sldChg>
+      <pc:sldChg chg="addSp modSp new">
+        <pc:chgData name="Māris Klaiva" userId="S::maris.klaiva@sk.lvt.lv::5e8ec568-22a0-43d9-af27-03b73ad9ed53" providerId="AD" clId="Web-{A09FB33C-8E11-E726-6FFE-34AE8D163AB9}" dt="2023-06-24T08:17:45.263" v="123" actId="1076"/>
+        <pc:sldMkLst>
+          <pc:docMk/>
+          <pc:sldMk cId="2647236843" sldId="266"/>
+        </pc:sldMkLst>
+        <pc:spChg chg="mod">
+          <ac:chgData name="Māris Klaiva" userId="S::maris.klaiva@sk.lvt.lv::5e8ec568-22a0-43d9-af27-03b73ad9ed53" providerId="AD" clId="Web-{A09FB33C-8E11-E726-6FFE-34AE8D163AB9}" dt="2023-06-24T08:12:51.454" v="86" actId="20577"/>
+          <ac:spMkLst>
+            <pc:docMk/>
+            <pc:sldMk cId="2647236843" sldId="266"/>
+            <ac:spMk id="2" creationId="{B7F3EBA4-B2FD-5570-21C5-A66E1C2D6C57}"/>
+          </ac:spMkLst>
+        </pc:spChg>
+        <pc:spChg chg="mod">
+          <ac:chgData name="Māris Klaiva" userId="S::maris.klaiva@sk.lvt.lv::5e8ec568-22a0-43d9-af27-03b73ad9ed53" providerId="AD" clId="Web-{A09FB33C-8E11-E726-6FFE-34AE8D163AB9}" dt="2023-06-24T08:17:38.873" v="119" actId="20577"/>
+          <ac:spMkLst>
+            <pc:docMk/>
+            <pc:sldMk cId="2647236843" sldId="266"/>
+            <ac:spMk id="3" creationId="{E667BD1B-BAF9-D783-4DBA-37F73FE7DFF8}"/>
+          </ac:spMkLst>
+        </pc:spChg>
+        <pc:picChg chg="add mod">
+          <ac:chgData name="Māris Klaiva" userId="S::maris.klaiva@sk.lvt.lv::5e8ec568-22a0-43d9-af27-03b73ad9ed53" providerId="AD" clId="Web-{A09FB33C-8E11-E726-6FFE-34AE8D163AB9}" dt="2023-06-24T08:17:45.263" v="123" actId="1076"/>
+          <ac:picMkLst>
+            <pc:docMk/>
+            <pc:sldMk cId="2647236843" sldId="266"/>
+            <ac:picMk id="4" creationId="{98116CC0-BE53-2E18-5955-4D0F1CE7480A}"/>
+          </ac:picMkLst>
+        </pc:picChg>
+      </pc:sldChg>
+      <pc:sldChg chg="addSp modSp new">
+        <pc:chgData name="Māris Klaiva" userId="S::maris.klaiva@sk.lvt.lv::5e8ec568-22a0-43d9-af27-03b73ad9ed53" providerId="AD" clId="Web-{A09FB33C-8E11-E726-6FFE-34AE8D163AB9}" dt="2023-06-24T14:41:42.216" v="644" actId="1076"/>
+        <pc:sldMkLst>
+          <pc:docMk/>
+          <pc:sldMk cId="2915912627" sldId="267"/>
+        </pc:sldMkLst>
+        <pc:spChg chg="mod">
+          <ac:chgData name="Māris Klaiva" userId="S::maris.klaiva@sk.lvt.lv::5e8ec568-22a0-43d9-af27-03b73ad9ed53" providerId="AD" clId="Web-{A09FB33C-8E11-E726-6FFE-34AE8D163AB9}" dt="2023-06-24T14:10:09.799" v="477" actId="20577"/>
+          <ac:spMkLst>
+            <pc:docMk/>
+            <pc:sldMk cId="2915912627" sldId="267"/>
+            <ac:spMk id="2" creationId="{A5282059-CA7E-4472-F3F3-3EF78955F7B8}"/>
+          </ac:spMkLst>
+        </pc:spChg>
+        <pc:spChg chg="mod">
+          <ac:chgData name="Māris Klaiva" userId="S::maris.klaiva@sk.lvt.lv::5e8ec568-22a0-43d9-af27-03b73ad9ed53" providerId="AD" clId="Web-{A09FB33C-8E11-E726-6FFE-34AE8D163AB9}" dt="2023-06-24T14:40:47.652" v="634" actId="20577"/>
+          <ac:spMkLst>
+            <pc:docMk/>
+            <pc:sldMk cId="2915912627" sldId="267"/>
+            <ac:spMk id="3" creationId="{8F6ADCD2-BE67-CD6F-8714-47C98DB3B4A3}"/>
+          </ac:spMkLst>
+        </pc:spChg>
+        <pc:picChg chg="add mod">
+          <ac:chgData name="Māris Klaiva" userId="S::maris.klaiva@sk.lvt.lv::5e8ec568-22a0-43d9-af27-03b73ad9ed53" providerId="AD" clId="Web-{A09FB33C-8E11-E726-6FFE-34AE8D163AB9}" dt="2023-06-24T14:41:02.777" v="639" actId="1076"/>
+          <ac:picMkLst>
+            <pc:docMk/>
+            <pc:sldMk cId="2915912627" sldId="267"/>
+            <ac:picMk id="4" creationId="{5D6B2A99-E3E9-1015-4CC4-F08780FC959F}"/>
+          </ac:picMkLst>
+        </pc:picChg>
+        <pc:picChg chg="add mod">
+          <ac:chgData name="Māris Klaiva" userId="S::maris.klaiva@sk.lvt.lv::5e8ec568-22a0-43d9-af27-03b73ad9ed53" providerId="AD" clId="Web-{A09FB33C-8E11-E726-6FFE-34AE8D163AB9}" dt="2023-06-24T14:41:42.216" v="644" actId="1076"/>
+          <ac:picMkLst>
+            <pc:docMk/>
+            <pc:sldMk cId="2915912627" sldId="267"/>
+            <ac:picMk id="5" creationId="{7CCB55EB-52E3-48E2-F1C3-FE520EFF4AB5}"/>
+          </ac:picMkLst>
+        </pc:picChg>
+      </pc:sldChg>
+      <pc:sldChg chg="modSp new">
+        <pc:chgData name="Māris Klaiva" userId="S::maris.klaiva@sk.lvt.lv::5e8ec568-22a0-43d9-af27-03b73ad9ed53" providerId="AD" clId="Web-{A09FB33C-8E11-E726-6FFE-34AE8D163AB9}" dt="2023-06-24T14:17:35.163" v="609" actId="20577"/>
+        <pc:sldMkLst>
+          <pc:docMk/>
+          <pc:sldMk cId="183667432" sldId="268"/>
+        </pc:sldMkLst>
+        <pc:spChg chg="mod">
+          <ac:chgData name="Māris Klaiva" userId="S::maris.klaiva@sk.lvt.lv::5e8ec568-22a0-43d9-af27-03b73ad9ed53" providerId="AD" clId="Web-{A09FB33C-8E11-E726-6FFE-34AE8D163AB9}" dt="2023-06-24T14:14:41.483" v="502" actId="20577"/>
+          <ac:spMkLst>
+            <pc:docMk/>
+            <pc:sldMk cId="183667432" sldId="268"/>
+            <ac:spMk id="2" creationId="{6775E488-BD88-804A-EE96-7790CBC15564}"/>
+          </ac:spMkLst>
+        </pc:spChg>
+        <pc:spChg chg="mod">
+          <ac:chgData name="Māris Klaiva" userId="S::maris.klaiva@sk.lvt.lv::5e8ec568-22a0-43d9-af27-03b73ad9ed53" providerId="AD" clId="Web-{A09FB33C-8E11-E726-6FFE-34AE8D163AB9}" dt="2023-06-24T14:17:35.163" v="609" actId="20577"/>
+          <ac:spMkLst>
+            <pc:docMk/>
+            <pc:sldMk cId="183667432" sldId="268"/>
+            <ac:spMk id="3" creationId="{24BA57E1-3430-D275-A173-29A07E9512FE}"/>
+          </ac:spMkLst>
+        </pc:spChg>
+      </pc:sldChg>
+      <pc:sldChg chg="new">
+        <pc:chgData name="Māris Klaiva" userId="S::maris.klaiva@sk.lvt.lv::5e8ec568-22a0-43d9-af27-03b73ad9ed53" providerId="AD" clId="Web-{A09FB33C-8E11-E726-6FFE-34AE8D163AB9}" dt="2023-06-24T14:14:13.842" v="484"/>
+        <pc:sldMkLst>
+          <pc:docMk/>
+          <pc:sldMk cId="2743243005" sldId="269"/>
+        </pc:sldMkLst>
+      </pc:sldChg>
+    </pc:docChg>
+  </pc:docChgLst>
+  <pc:docChgLst>
     <pc:chgData name="Māris Klaiva" userId="S::maris.klaiva@sk.lvt.lv::5e8ec568-22a0-43d9-af27-03b73ad9ed53" providerId="AD" clId="Web-{394B74AC-9BB4-410A-9D4A-528059E801E1}"/>
     <pc:docChg chg="addSld delSld modSld addMainMaster delMainMaster">
       <pc:chgData name="Māris Klaiva" userId="S::maris.klaiva@sk.lvt.lv::5e8ec568-22a0-43d9-af27-03b73ad9ed53" providerId="AD" clId="Web-{394B74AC-9BB4-410A-9D4A-528059E801E1}" dt="2023-06-23T09:57:47.255" v="29" actId="20577"/>
@@ -1687,273 +1961,96 @@
     </pc:docChg>
   </pc:docChgLst>
   <pc:docChgLst>
-    <pc:chgData name="Māris Klaiva" userId="S::maris.klaiva@sk.lvt.lv::5e8ec568-22a0-43d9-af27-03b73ad9ed53" providerId="AD" clId="Web-{A09FB33C-8E11-E726-6FFE-34AE8D163AB9}"/>
-    <pc:docChg chg="addSld modSld">
-      <pc:chgData name="Māris Klaiva" userId="S::maris.klaiva@sk.lvt.lv::5e8ec568-22a0-43d9-af27-03b73ad9ed53" providerId="AD" clId="Web-{A09FB33C-8E11-E726-6FFE-34AE8D163AB9}" dt="2023-06-24T14:41:42.216" v="644" actId="1076"/>
+    <pc:chgData name="Māris Klaiva" userId="S::maris.klaiva@sk.lvt.lv::5e8ec568-22a0-43d9-af27-03b73ad9ed53" providerId="AD" clId="Web-{BB73A7FA-4913-3CC3-7FC3-745BD6733F90}"/>
+    <pc:docChg chg="modSld">
+      <pc:chgData name="Māris Klaiva" userId="S::maris.klaiva@sk.lvt.lv::5e8ec568-22a0-43d9-af27-03b73ad9ed53" providerId="AD" clId="Web-{BB73A7FA-4913-3CC3-7FC3-745BD6733F90}" dt="2023-06-25T13:06:24.137" v="34" actId="20577"/>
       <pc:docMkLst>
         <pc:docMk/>
       </pc:docMkLst>
       <pc:sldChg chg="modSp">
-        <pc:chgData name="Māris Klaiva" userId="S::maris.klaiva@sk.lvt.lv::5e8ec568-22a0-43d9-af27-03b73ad9ed53" providerId="AD" clId="Web-{A09FB33C-8E11-E726-6FFE-34AE8D163AB9}" dt="2023-06-24T09:28:45.061" v="207" actId="20577"/>
-        <pc:sldMkLst>
-          <pc:docMk/>
-          <pc:sldMk cId="3990300467" sldId="260"/>
-        </pc:sldMkLst>
-        <pc:spChg chg="mod">
-          <ac:chgData name="Māris Klaiva" userId="S::maris.klaiva@sk.lvt.lv::5e8ec568-22a0-43d9-af27-03b73ad9ed53" providerId="AD" clId="Web-{A09FB33C-8E11-E726-6FFE-34AE8D163AB9}" dt="2023-06-24T09:28:45.061" v="207" actId="20577"/>
-          <ac:spMkLst>
-            <pc:docMk/>
-            <pc:sldMk cId="3990300467" sldId="260"/>
-            <ac:spMk id="2" creationId="{16D4C5D4-4C7C-C745-0148-DC80FD67372F}"/>
-          </ac:spMkLst>
-        </pc:spChg>
-      </pc:sldChg>
-      <pc:sldChg chg="modSp">
-        <pc:chgData name="Māris Klaiva" userId="S::maris.klaiva@sk.lvt.lv::5e8ec568-22a0-43d9-af27-03b73ad9ed53" providerId="AD" clId="Web-{A09FB33C-8E11-E726-6FFE-34AE8D163AB9}" dt="2023-06-24T09:28:34.889" v="205" actId="20577"/>
-        <pc:sldMkLst>
-          <pc:docMk/>
-          <pc:sldMk cId="2286531972" sldId="261"/>
-        </pc:sldMkLst>
-        <pc:spChg chg="mod">
-          <ac:chgData name="Māris Klaiva" userId="S::maris.klaiva@sk.lvt.lv::5e8ec568-22a0-43d9-af27-03b73ad9ed53" providerId="AD" clId="Web-{A09FB33C-8E11-E726-6FFE-34AE8D163AB9}" dt="2023-06-24T09:28:34.889" v="205" actId="20577"/>
-          <ac:spMkLst>
-            <pc:docMk/>
-            <pc:sldMk cId="2286531972" sldId="261"/>
-            <ac:spMk id="2" creationId="{6A748A63-01C3-2793-2D89-6FFAE060360F}"/>
-          </ac:spMkLst>
-        </pc:spChg>
-      </pc:sldChg>
-      <pc:sldChg chg="addSp modSp">
-        <pc:chgData name="Māris Klaiva" userId="S::maris.klaiva@sk.lvt.lv::5e8ec568-22a0-43d9-af27-03b73ad9ed53" providerId="AD" clId="Web-{A09FB33C-8E11-E726-6FFE-34AE8D163AB9}" dt="2023-06-24T09:30:17.080" v="258" actId="20577"/>
-        <pc:sldMkLst>
-          <pc:docMk/>
-          <pc:sldMk cId="3274119948" sldId="262"/>
-        </pc:sldMkLst>
-        <pc:spChg chg="mod">
-          <ac:chgData name="Māris Klaiva" userId="S::maris.klaiva@sk.lvt.lv::5e8ec568-22a0-43d9-af27-03b73ad9ed53" providerId="AD" clId="Web-{A09FB33C-8E11-E726-6FFE-34AE8D163AB9}" dt="2023-06-24T09:21:14.495" v="147" actId="20577"/>
-          <ac:spMkLst>
-            <pc:docMk/>
-            <pc:sldMk cId="3274119948" sldId="262"/>
-            <ac:spMk id="2" creationId="{BEABCAA4-D71E-D8E8-278F-580F38DBA2E6}"/>
-          </ac:spMkLst>
-        </pc:spChg>
-        <pc:spChg chg="mod">
-          <ac:chgData name="Māris Klaiva" userId="S::maris.klaiva@sk.lvt.lv::5e8ec568-22a0-43d9-af27-03b73ad9ed53" providerId="AD" clId="Web-{A09FB33C-8E11-E726-6FFE-34AE8D163AB9}" dt="2023-06-24T09:30:17.080" v="258" actId="20577"/>
-          <ac:spMkLst>
-            <pc:docMk/>
-            <pc:sldMk cId="3274119948" sldId="262"/>
-            <ac:spMk id="3" creationId="{6E465AF3-5791-D917-D340-CB5F3588DB59}"/>
-          </ac:spMkLst>
-        </pc:spChg>
-        <pc:picChg chg="add mod">
-          <ac:chgData name="Māris Klaiva" userId="S::maris.klaiva@sk.lvt.lv::5e8ec568-22a0-43d9-af27-03b73ad9ed53" providerId="AD" clId="Web-{A09FB33C-8E11-E726-6FFE-34AE8D163AB9}" dt="2023-06-24T09:29:17.687" v="209" actId="1076"/>
-          <ac:picMkLst>
-            <pc:docMk/>
-            <pc:sldMk cId="3274119948" sldId="262"/>
-            <ac:picMk id="4" creationId="{1F19A6ED-4167-6E98-D751-0A23278B4875}"/>
-          </ac:picMkLst>
-        </pc:picChg>
-      </pc:sldChg>
-      <pc:sldChg chg="addSp modSp">
-        <pc:chgData name="Māris Klaiva" userId="S::maris.klaiva@sk.lvt.lv::5e8ec568-22a0-43d9-af27-03b73ad9ed53" providerId="AD" clId="Web-{A09FB33C-8E11-E726-6FFE-34AE8D163AB9}" dt="2023-06-24T14:08:56.608" v="464" actId="1076"/>
+        <pc:chgData name="Māris Klaiva" userId="S::maris.klaiva@sk.lvt.lv::5e8ec568-22a0-43d9-af27-03b73ad9ed53" providerId="AD" clId="Web-{BB73A7FA-4913-3CC3-7FC3-745BD6733F90}" dt="2023-06-25T13:05:37.511" v="20" actId="20577"/>
         <pc:sldMkLst>
           <pc:docMk/>
           <pc:sldMk cId="3975778812" sldId="263"/>
         </pc:sldMkLst>
         <pc:spChg chg="mod">
-          <ac:chgData name="Māris Klaiva" userId="S::maris.klaiva@sk.lvt.lv::5e8ec568-22a0-43d9-af27-03b73ad9ed53" providerId="AD" clId="Web-{A09FB33C-8E11-E726-6FFE-34AE8D163AB9}" dt="2023-06-24T09:34:13.230" v="267" actId="20577"/>
-          <ac:spMkLst>
-            <pc:docMk/>
-            <pc:sldMk cId="3975778812" sldId="263"/>
-            <ac:spMk id="2" creationId="{7F6A8F5E-30FA-1662-4C81-D7F52D70D721}"/>
-          </ac:spMkLst>
-        </pc:spChg>
-        <pc:spChg chg="mod">
-          <ac:chgData name="Māris Klaiva" userId="S::maris.klaiva@sk.lvt.lv::5e8ec568-22a0-43d9-af27-03b73ad9ed53" providerId="AD" clId="Web-{A09FB33C-8E11-E726-6FFE-34AE8D163AB9}" dt="2023-06-24T14:08:47.248" v="462" actId="20577"/>
+          <ac:chgData name="Māris Klaiva" userId="S::maris.klaiva@sk.lvt.lv::5e8ec568-22a0-43d9-af27-03b73ad9ed53" providerId="AD" clId="Web-{BB73A7FA-4913-3CC3-7FC3-745BD6733F90}" dt="2023-06-25T13:05:37.511" v="20" actId="20577"/>
           <ac:spMkLst>
             <pc:docMk/>
             <pc:sldMk cId="3975778812" sldId="263"/>
             <ac:spMk id="3" creationId="{2E97CA2C-463A-74B6-70D3-C8B96267F470}"/>
           </ac:spMkLst>
         </pc:spChg>
-        <pc:picChg chg="add mod">
-          <ac:chgData name="Māris Klaiva" userId="S::maris.klaiva@sk.lvt.lv::5e8ec568-22a0-43d9-af27-03b73ad9ed53" providerId="AD" clId="Web-{A09FB33C-8E11-E726-6FFE-34AE8D163AB9}" dt="2023-06-24T14:08:53.061" v="463" actId="1076"/>
-          <ac:picMkLst>
-            <pc:docMk/>
-            <pc:sldMk cId="3975778812" sldId="263"/>
-            <ac:picMk id="4" creationId="{8F4C579D-1EFE-3462-8A5F-D7CFFBDDEE38}"/>
-          </ac:picMkLst>
-        </pc:picChg>
-        <pc:picChg chg="add mod">
-          <ac:chgData name="Māris Klaiva" userId="S::maris.klaiva@sk.lvt.lv::5e8ec568-22a0-43d9-af27-03b73ad9ed53" providerId="AD" clId="Web-{A09FB33C-8E11-E726-6FFE-34AE8D163AB9}" dt="2023-06-24T14:08:56.608" v="464" actId="1076"/>
-          <ac:picMkLst>
-            <pc:docMk/>
-            <pc:sldMk cId="3975778812" sldId="263"/>
-            <ac:picMk id="5" creationId="{833B1107-BEB2-48EC-89A4-8B96824AFAEE}"/>
-          </ac:picMkLst>
-        </pc:picChg>
       </pc:sldChg>
-      <pc:sldChg chg="addSp modSp">
-        <pc:chgData name="Māris Klaiva" userId="S::maris.klaiva@sk.lvt.lv::5e8ec568-22a0-43d9-af27-03b73ad9ed53" providerId="AD" clId="Web-{A09FB33C-8E11-E726-6FFE-34AE8D163AB9}" dt="2023-06-24T14:13:20.964" v="482" actId="1076"/>
-        <pc:sldMkLst>
-          <pc:docMk/>
-          <pc:sldMk cId="2500901508" sldId="264"/>
-        </pc:sldMkLst>
-        <pc:spChg chg="mod">
-          <ac:chgData name="Māris Klaiva" userId="S::maris.klaiva@sk.lvt.lv::5e8ec568-22a0-43d9-af27-03b73ad9ed53" providerId="AD" clId="Web-{A09FB33C-8E11-E726-6FFE-34AE8D163AB9}" dt="2023-06-24T13:53:36.971" v="305" actId="20577"/>
-          <ac:spMkLst>
-            <pc:docMk/>
-            <pc:sldMk cId="2500901508" sldId="264"/>
-            <ac:spMk id="2" creationId="{F82B05AE-9885-C610-B4F7-2798392CE1CC}"/>
-          </ac:spMkLst>
-        </pc:spChg>
-        <pc:spChg chg="mod">
-          <ac:chgData name="Māris Klaiva" userId="S::maris.klaiva@sk.lvt.lv::5e8ec568-22a0-43d9-af27-03b73ad9ed53" providerId="AD" clId="Web-{A09FB33C-8E11-E726-6FFE-34AE8D163AB9}" dt="2023-06-24T13:58:21.797" v="415" actId="20577"/>
-          <ac:spMkLst>
-            <pc:docMk/>
-            <pc:sldMk cId="2500901508" sldId="264"/>
-            <ac:spMk id="3" creationId="{001D01F2-F038-F6E9-D664-9A77CC213438}"/>
-          </ac:spMkLst>
-        </pc:spChg>
-        <pc:picChg chg="add mod">
-          <ac:chgData name="Māris Klaiva" userId="S::maris.klaiva@sk.lvt.lv::5e8ec568-22a0-43d9-af27-03b73ad9ed53" providerId="AD" clId="Web-{A09FB33C-8E11-E726-6FFE-34AE8D163AB9}" dt="2023-06-24T14:13:20.964" v="482" actId="1076"/>
-          <ac:picMkLst>
-            <pc:docMk/>
-            <pc:sldMk cId="2500901508" sldId="264"/>
-            <ac:picMk id="4" creationId="{14A2C72F-6E11-094C-7779-83EB1097074B}"/>
-          </ac:picMkLst>
-        </pc:picChg>
-      </pc:sldChg>
-      <pc:sldChg chg="addSp modSp new">
-        <pc:chgData name="Māris Klaiva" userId="S::maris.klaiva@sk.lvt.lv::5e8ec568-22a0-43d9-af27-03b73ad9ed53" providerId="AD" clId="Web-{A09FB33C-8E11-E726-6FFE-34AE8D163AB9}" dt="2023-06-24T08:11:46.655" v="67" actId="14100"/>
-        <pc:sldMkLst>
-          <pc:docMk/>
-          <pc:sldMk cId="2988171198" sldId="265"/>
-        </pc:sldMkLst>
-        <pc:spChg chg="mod">
-          <ac:chgData name="Māris Klaiva" userId="S::maris.klaiva@sk.lvt.lv::5e8ec568-22a0-43d9-af27-03b73ad9ed53" providerId="AD" clId="Web-{A09FB33C-8E11-E726-6FFE-34AE8D163AB9}" dt="2023-06-24T08:05:51.735" v="55" actId="20577"/>
-          <ac:spMkLst>
-            <pc:docMk/>
-            <pc:sldMk cId="2988171198" sldId="265"/>
-            <ac:spMk id="2" creationId="{02D3BFAF-AF46-FE9D-2EF8-564C8B88CA97}"/>
-          </ac:spMkLst>
-        </pc:spChg>
-        <pc:spChg chg="mod">
-          <ac:chgData name="Māris Klaiva" userId="S::maris.klaiva@sk.lvt.lv::5e8ec568-22a0-43d9-af27-03b73ad9ed53" providerId="AD" clId="Web-{A09FB33C-8E11-E726-6FFE-34AE8D163AB9}" dt="2023-06-24T08:11:37.592" v="62" actId="20577"/>
-          <ac:spMkLst>
-            <pc:docMk/>
-            <pc:sldMk cId="2988171198" sldId="265"/>
-            <ac:spMk id="3" creationId="{8281F76A-8BA4-331E-2B54-4CF94B55AC70}"/>
-          </ac:spMkLst>
-        </pc:spChg>
-        <pc:picChg chg="add mod">
-          <ac:chgData name="Māris Klaiva" userId="S::maris.klaiva@sk.lvt.lv::5e8ec568-22a0-43d9-af27-03b73ad9ed53" providerId="AD" clId="Web-{A09FB33C-8E11-E726-6FFE-34AE8D163AB9}" dt="2023-06-24T08:11:46.655" v="67" actId="14100"/>
-          <ac:picMkLst>
-            <pc:docMk/>
-            <pc:sldMk cId="2988171198" sldId="265"/>
-            <ac:picMk id="4" creationId="{BDC64D76-32C1-7A32-0FC7-887683D05DE5}"/>
-          </ac:picMkLst>
-        </pc:picChg>
-      </pc:sldChg>
-      <pc:sldChg chg="addSp modSp new">
-        <pc:chgData name="Māris Klaiva" userId="S::maris.klaiva@sk.lvt.lv::5e8ec568-22a0-43d9-af27-03b73ad9ed53" providerId="AD" clId="Web-{A09FB33C-8E11-E726-6FFE-34AE8D163AB9}" dt="2023-06-24T08:17:45.263" v="123" actId="1076"/>
-        <pc:sldMkLst>
-          <pc:docMk/>
-          <pc:sldMk cId="2647236843" sldId="266"/>
-        </pc:sldMkLst>
-        <pc:spChg chg="mod">
-          <ac:chgData name="Māris Klaiva" userId="S::maris.klaiva@sk.lvt.lv::5e8ec568-22a0-43d9-af27-03b73ad9ed53" providerId="AD" clId="Web-{A09FB33C-8E11-E726-6FFE-34AE8D163AB9}" dt="2023-06-24T08:12:51.454" v="86" actId="20577"/>
-          <ac:spMkLst>
-            <pc:docMk/>
-            <pc:sldMk cId="2647236843" sldId="266"/>
-            <ac:spMk id="2" creationId="{B7F3EBA4-B2FD-5570-21C5-A66E1C2D6C57}"/>
-          </ac:spMkLst>
-        </pc:spChg>
-        <pc:spChg chg="mod">
-          <ac:chgData name="Māris Klaiva" userId="S::maris.klaiva@sk.lvt.lv::5e8ec568-22a0-43d9-af27-03b73ad9ed53" providerId="AD" clId="Web-{A09FB33C-8E11-E726-6FFE-34AE8D163AB9}" dt="2023-06-24T08:17:38.873" v="119" actId="20577"/>
-          <ac:spMkLst>
-            <pc:docMk/>
-            <pc:sldMk cId="2647236843" sldId="266"/>
-            <ac:spMk id="3" creationId="{E667BD1B-BAF9-D783-4DBA-37F73FE7DFF8}"/>
-          </ac:spMkLst>
-        </pc:spChg>
-        <pc:picChg chg="add mod">
-          <ac:chgData name="Māris Klaiva" userId="S::maris.klaiva@sk.lvt.lv::5e8ec568-22a0-43d9-af27-03b73ad9ed53" providerId="AD" clId="Web-{A09FB33C-8E11-E726-6FFE-34AE8D163AB9}" dt="2023-06-24T08:17:45.263" v="123" actId="1076"/>
-          <ac:picMkLst>
-            <pc:docMk/>
-            <pc:sldMk cId="2647236843" sldId="266"/>
-            <ac:picMk id="4" creationId="{98116CC0-BE53-2E18-5955-4D0F1CE7480A}"/>
-          </ac:picMkLst>
-        </pc:picChg>
-      </pc:sldChg>
-      <pc:sldChg chg="addSp modSp new">
-        <pc:chgData name="Māris Klaiva" userId="S::maris.klaiva@sk.lvt.lv::5e8ec568-22a0-43d9-af27-03b73ad9ed53" providerId="AD" clId="Web-{A09FB33C-8E11-E726-6FFE-34AE8D163AB9}" dt="2023-06-24T14:41:42.216" v="644" actId="1076"/>
+      <pc:sldChg chg="modSp">
+        <pc:chgData name="Māris Klaiva" userId="S::maris.klaiva@sk.lvt.lv::5e8ec568-22a0-43d9-af27-03b73ad9ed53" providerId="AD" clId="Web-{BB73A7FA-4913-3CC3-7FC3-745BD6733F90}" dt="2023-06-25T13:06:02.683" v="32" actId="20577"/>
         <pc:sldMkLst>
           <pc:docMk/>
           <pc:sldMk cId="2915912627" sldId="267"/>
         </pc:sldMkLst>
         <pc:spChg chg="mod">
-          <ac:chgData name="Māris Klaiva" userId="S::maris.klaiva@sk.lvt.lv::5e8ec568-22a0-43d9-af27-03b73ad9ed53" providerId="AD" clId="Web-{A09FB33C-8E11-E726-6FFE-34AE8D163AB9}" dt="2023-06-24T14:10:09.799" v="477" actId="20577"/>
-          <ac:spMkLst>
-            <pc:docMk/>
-            <pc:sldMk cId="2915912627" sldId="267"/>
-            <ac:spMk id="2" creationId="{A5282059-CA7E-4472-F3F3-3EF78955F7B8}"/>
-          </ac:spMkLst>
-        </pc:spChg>
-        <pc:spChg chg="mod">
-          <ac:chgData name="Māris Klaiva" userId="S::maris.klaiva@sk.lvt.lv::5e8ec568-22a0-43d9-af27-03b73ad9ed53" providerId="AD" clId="Web-{A09FB33C-8E11-E726-6FFE-34AE8D163AB9}" dt="2023-06-24T14:40:47.652" v="634" actId="20577"/>
+          <ac:chgData name="Māris Klaiva" userId="S::maris.klaiva@sk.lvt.lv::5e8ec568-22a0-43d9-af27-03b73ad9ed53" providerId="AD" clId="Web-{BB73A7FA-4913-3CC3-7FC3-745BD6733F90}" dt="2023-06-25T13:06:02.683" v="32" actId="20577"/>
           <ac:spMkLst>
             <pc:docMk/>
             <pc:sldMk cId="2915912627" sldId="267"/>
             <ac:spMk id="3" creationId="{8F6ADCD2-BE67-CD6F-8714-47C98DB3B4A3}"/>
           </ac:spMkLst>
         </pc:spChg>
-        <pc:picChg chg="add mod">
-          <ac:chgData name="Māris Klaiva" userId="S::maris.klaiva@sk.lvt.lv::5e8ec568-22a0-43d9-af27-03b73ad9ed53" providerId="AD" clId="Web-{A09FB33C-8E11-E726-6FFE-34AE8D163AB9}" dt="2023-06-24T14:41:02.777" v="639" actId="1076"/>
-          <ac:picMkLst>
-            <pc:docMk/>
-            <pc:sldMk cId="2915912627" sldId="267"/>
-            <ac:picMk id="4" creationId="{5D6B2A99-E3E9-1015-4CC4-F08780FC959F}"/>
-          </ac:picMkLst>
-        </pc:picChg>
-        <pc:picChg chg="add mod">
-          <ac:chgData name="Māris Klaiva" userId="S::maris.klaiva@sk.lvt.lv::5e8ec568-22a0-43d9-af27-03b73ad9ed53" providerId="AD" clId="Web-{A09FB33C-8E11-E726-6FFE-34AE8D163AB9}" dt="2023-06-24T14:41:42.216" v="644" actId="1076"/>
-          <ac:picMkLst>
-            <pc:docMk/>
-            <pc:sldMk cId="2915912627" sldId="267"/>
-            <ac:picMk id="5" creationId="{7CCB55EB-52E3-48E2-F1C3-FE520EFF4AB5}"/>
-          </ac:picMkLst>
-        </pc:picChg>
       </pc:sldChg>
-      <pc:sldChg chg="modSp new">
-        <pc:chgData name="Māris Klaiva" userId="S::maris.klaiva@sk.lvt.lv::5e8ec568-22a0-43d9-af27-03b73ad9ed53" providerId="AD" clId="Web-{A09FB33C-8E11-E726-6FFE-34AE8D163AB9}" dt="2023-06-24T14:17:35.163" v="609" actId="20577"/>
-        <pc:sldMkLst>
-          <pc:docMk/>
-          <pc:sldMk cId="183667432" sldId="268"/>
-        </pc:sldMkLst>
-        <pc:spChg chg="mod">
-          <ac:chgData name="Māris Klaiva" userId="S::maris.klaiva@sk.lvt.lv::5e8ec568-22a0-43d9-af27-03b73ad9ed53" providerId="AD" clId="Web-{A09FB33C-8E11-E726-6FFE-34AE8D163AB9}" dt="2023-06-24T14:14:41.483" v="502" actId="20577"/>
-          <ac:spMkLst>
-            <pc:docMk/>
-            <pc:sldMk cId="183667432" sldId="268"/>
-            <ac:spMk id="2" creationId="{6775E488-BD88-804A-EE96-7790CBC15564}"/>
-          </ac:spMkLst>
-        </pc:spChg>
-        <pc:spChg chg="mod">
-          <ac:chgData name="Māris Klaiva" userId="S::maris.klaiva@sk.lvt.lv::5e8ec568-22a0-43d9-af27-03b73ad9ed53" providerId="AD" clId="Web-{A09FB33C-8E11-E726-6FFE-34AE8D163AB9}" dt="2023-06-24T14:17:35.163" v="609" actId="20577"/>
-          <ac:spMkLst>
-            <pc:docMk/>
-            <pc:sldMk cId="183667432" sldId="268"/>
-            <ac:spMk id="3" creationId="{24BA57E1-3430-D275-A173-29A07E9512FE}"/>
-          </ac:spMkLst>
-        </pc:spChg>
-      </pc:sldChg>
-      <pc:sldChg chg="new">
-        <pc:chgData name="Māris Klaiva" userId="S::maris.klaiva@sk.lvt.lv::5e8ec568-22a0-43d9-af27-03b73ad9ed53" providerId="AD" clId="Web-{A09FB33C-8E11-E726-6FFE-34AE8D163AB9}" dt="2023-06-24T14:14:13.842" v="484"/>
+      <pc:sldChg chg="modSp">
+        <pc:chgData name="Māris Klaiva" userId="S::maris.klaiva@sk.lvt.lv::5e8ec568-22a0-43d9-af27-03b73ad9ed53" providerId="AD" clId="Web-{BB73A7FA-4913-3CC3-7FC3-745BD6733F90}" dt="2023-06-25T13:06:24.137" v="34" actId="20577"/>
         <pc:sldMkLst>
           <pc:docMk/>
           <pc:sldMk cId="2743243005" sldId="269"/>
         </pc:sldMkLst>
+        <pc:spChg chg="mod">
+          <ac:chgData name="Māris Klaiva" userId="S::maris.klaiva@sk.lvt.lv::5e8ec568-22a0-43d9-af27-03b73ad9ed53" providerId="AD" clId="Web-{BB73A7FA-4913-3CC3-7FC3-745BD6733F90}" dt="2023-06-25T13:06:24.137" v="34" actId="20577"/>
+          <ac:spMkLst>
+            <pc:docMk/>
+            <pc:sldMk cId="2743243005" sldId="269"/>
+            <ac:spMk id="3" creationId="{055E98DD-B65D-3685-C030-5B9B457E7A08}"/>
+          </ac:spMkLst>
+        </pc:spChg>
+      </pc:sldChg>
+    </pc:docChg>
+  </pc:docChgLst>
+  <pc:docChgLst>
+    <pc:chgData name="Māris Klaiva" userId="S::maris.klaiva@sk.lvt.lv::5e8ec568-22a0-43d9-af27-03b73ad9ed53" providerId="AD" clId="Web-{E116E75C-D950-5647-C724-E278FFB8CFD5}"/>
+    <pc:docChg chg="addSld modSld">
+      <pc:chgData name="Māris Klaiva" userId="S::maris.klaiva@sk.lvt.lv::5e8ec568-22a0-43d9-af27-03b73ad9ed53" providerId="AD" clId="Web-{E116E75C-D950-5647-C724-E278FFB8CFD5}" dt="2023-06-26T08:25:27.593" v="83" actId="1076"/>
+      <pc:docMkLst>
+        <pc:docMk/>
+      </pc:docMkLst>
+      <pc:sldChg chg="addSp modSp new">
+        <pc:chgData name="Māris Klaiva" userId="S::maris.klaiva@sk.lvt.lv::5e8ec568-22a0-43d9-af27-03b73ad9ed53" providerId="AD" clId="Web-{E116E75C-D950-5647-C724-E278FFB8CFD5}" dt="2023-06-26T08:25:27.593" v="83" actId="1076"/>
+        <pc:sldMkLst>
+          <pc:docMk/>
+          <pc:sldMk cId="3587565346" sldId="271"/>
+        </pc:sldMkLst>
+        <pc:spChg chg="mod">
+          <ac:chgData name="Māris Klaiva" userId="S::maris.klaiva@sk.lvt.lv::5e8ec568-22a0-43d9-af27-03b73ad9ed53" providerId="AD" clId="Web-{E116E75C-D950-5647-C724-E278FFB8CFD5}" dt="2023-06-26T08:21:54.046" v="13" actId="20577"/>
+          <ac:spMkLst>
+            <pc:docMk/>
+            <pc:sldMk cId="3587565346" sldId="271"/>
+            <ac:spMk id="2" creationId="{4634A4BC-ABCB-C13B-2E86-F3C6B68B36C8}"/>
+          </ac:spMkLst>
+        </pc:spChg>
+        <pc:spChg chg="mod">
+          <ac:chgData name="Māris Klaiva" userId="S::maris.klaiva@sk.lvt.lv::5e8ec568-22a0-43d9-af27-03b73ad9ed53" providerId="AD" clId="Web-{E116E75C-D950-5647-C724-E278FFB8CFD5}" dt="2023-06-26T08:25:15.529" v="78" actId="20577"/>
+          <ac:spMkLst>
+            <pc:docMk/>
+            <pc:sldMk cId="3587565346" sldId="271"/>
+            <ac:spMk id="3" creationId="{34302DE3-A9BC-ABBE-8867-3ED09079E99F}"/>
+          </ac:spMkLst>
+        </pc:spChg>
+        <pc:picChg chg="add mod">
+          <ac:chgData name="Māris Klaiva" userId="S::maris.klaiva@sk.lvt.lv::5e8ec568-22a0-43d9-af27-03b73ad9ed53" providerId="AD" clId="Web-{E116E75C-D950-5647-C724-E278FFB8CFD5}" dt="2023-06-26T08:25:27.593" v="83" actId="1076"/>
+          <ac:picMkLst>
+            <pc:docMk/>
+            <pc:sldMk cId="3587565346" sldId="271"/>
+            <ac:picMk id="4" creationId="{CEC54F76-FB7D-2868-CB44-0D30AD86A4B3}"/>
+          </ac:picMkLst>
+        </pc:picChg>
       </pc:sldChg>
     </pc:docChg>
   </pc:docChgLst>
@@ -2319,7 +2416,7 @@
           </a:lstStyle>
           <a:p>
             <a:r>
-              <a:rPr lang="en-US" dirty="0"/>
+              <a:rPr lang="en-US"/>
               <a:t>Click to edit Master title style</a:t>
             </a:r>
           </a:p>
@@ -2437,7 +2534,7 @@
           </a:lstStyle>
           <a:p>
             <a:r>
-              <a:rPr lang="en-US" dirty="0"/>
+              <a:rPr lang="en-US"/>
               <a:t>Click to edit Master subtitle style</a:t>
             </a:r>
           </a:p>
@@ -2461,9 +2558,9 @@
             <a:fld id="{B61BEF0D-F0BB-DE4B-95CE-6DB70DBA9567}" type="datetimeFigureOut">
               <a:rPr lang="en-US" dirty="0"/>
               <a:pPr/>
-              <a:t>6/25/2023</a:t>
+              <a:t>6/26/2023</a:t>
             </a:fld>
-            <a:endParaRPr lang="en-US" dirty="0"/>
+            <a:endParaRPr lang="en-US"/>
           </a:p>
         </p:txBody>
       </p:sp>
@@ -2487,7 +2584,7 @@
           <a:bodyPr/>
           <a:lstStyle/>
           <a:p>
-            <a:endParaRPr lang="en-US" dirty="0"/>
+            <a:endParaRPr lang="en-US"/>
           </a:p>
         </p:txBody>
       </p:sp>
@@ -2511,7 +2608,7 @@
               <a:pPr/>
               <a:t>‹#›</a:t>
             </a:fld>
-            <a:endParaRPr lang="en-US" dirty="0"/>
+            <a:endParaRPr lang="en-US"/>
           </a:p>
         </p:txBody>
       </p:sp>
@@ -2572,7 +2669,7 @@
           </a:lstStyle>
           <a:p>
             <a:r>
-              <a:rPr lang="en-US" dirty="0"/>
+              <a:rPr lang="en-US"/>
               <a:t>Click to edit Master title style</a:t>
             </a:r>
           </a:p>
@@ -2665,7 +2762,7 @@
             </a:lvl9pPr>
           </a:lstStyle>
           <a:p>
-            <a:endParaRPr lang="en-US" dirty="0"/>
+            <a:endParaRPr lang="en-US"/>
           </a:p>
         </p:txBody>
       </p:sp>
@@ -2730,7 +2827,7 @@
           <a:p>
             <a:pPr lvl="0"/>
             <a:r>
-              <a:rPr lang="en-US" dirty="0"/>
+              <a:rPr lang="en-US"/>
               <a:t>Click to edit Master text styles</a:t>
             </a:r>
           </a:p>
@@ -2754,9 +2851,9 @@
             <a:fld id="{B61BEF0D-F0BB-DE4B-95CE-6DB70DBA9567}" type="datetimeFigureOut">
               <a:rPr lang="en-US" dirty="0"/>
               <a:pPr/>
-              <a:t>6/25/2023</a:t>
+              <a:t>6/26/2023</a:t>
             </a:fld>
-            <a:endParaRPr lang="en-US" dirty="0"/>
+            <a:endParaRPr lang="en-US"/>
           </a:p>
         </p:txBody>
       </p:sp>
@@ -2775,7 +2872,7 @@
           <a:bodyPr/>
           <a:lstStyle/>
           <a:p>
-            <a:endParaRPr lang="en-US" dirty="0"/>
+            <a:endParaRPr lang="en-US"/>
           </a:p>
         </p:txBody>
       </p:sp>
@@ -2799,7 +2896,7 @@
               <a:pPr/>
               <a:t>‹#›</a:t>
             </a:fld>
-            <a:endParaRPr lang="en-US" dirty="0"/>
+            <a:endParaRPr lang="en-US"/>
           </a:p>
         </p:txBody>
       </p:sp>
@@ -2860,7 +2957,7 @@
           </a:lstStyle>
           <a:p>
             <a:r>
-              <a:rPr lang="en-US" dirty="0"/>
+              <a:rPr lang="en-US"/>
               <a:t>Click to edit Master title style</a:t>
             </a:r>
           </a:p>
@@ -2979,7 +3076,7 @@
           <a:p>
             <a:pPr lvl="0"/>
             <a:r>
-              <a:rPr lang="en-US" dirty="0"/>
+              <a:rPr lang="en-US"/>
               <a:t>Click to edit Master text styles</a:t>
             </a:r>
           </a:p>
@@ -3003,9 +3100,9 @@
             <a:fld id="{B61BEF0D-F0BB-DE4B-95CE-6DB70DBA9567}" type="datetimeFigureOut">
               <a:rPr lang="en-US" dirty="0"/>
               <a:pPr/>
-              <a:t>6/25/2023</a:t>
+              <a:t>6/26/2023</a:t>
             </a:fld>
-            <a:endParaRPr lang="en-US" dirty="0"/>
+            <a:endParaRPr lang="en-US"/>
           </a:p>
         </p:txBody>
       </p:sp>
@@ -3024,7 +3121,7 @@
           <a:bodyPr/>
           <a:lstStyle/>
           <a:p>
-            <a:endParaRPr lang="en-US" dirty="0"/>
+            <a:endParaRPr lang="en-US"/>
           </a:p>
         </p:txBody>
       </p:sp>
@@ -3048,7 +3145,7 @@
               <a:pPr/>
               <a:t>‹#›</a:t>
             </a:fld>
-            <a:endParaRPr lang="en-US" dirty="0"/>
+            <a:endParaRPr lang="en-US"/>
           </a:p>
         </p:txBody>
       </p:sp>
@@ -3187,7 +3284,7 @@
           <a:p>
             <a:pPr lvl="0"/>
             <a:r>
-              <a:rPr lang="en-US" sz="8000" dirty="0">
+              <a:rPr lang="en-US" sz="8000">
                 <a:solidFill>
                   <a:schemeClr val="tx1"/>
                 </a:solidFill>
@@ -3303,7 +3400,7 @@
           <a:p>
             <a:pPr lvl="0" algn="r"/>
             <a:r>
-              <a:rPr lang="en-US" sz="8000" dirty="0">
+              <a:rPr lang="en-US" sz="8000">
                 <a:solidFill>
                   <a:schemeClr val="tx1"/>
                 </a:solidFill>
@@ -3345,7 +3442,7 @@
           </a:lstStyle>
           <a:p>
             <a:r>
-              <a:rPr lang="en-US" dirty="0"/>
+              <a:rPr lang="en-US"/>
               <a:t>Click to edit Master title style</a:t>
             </a:r>
           </a:p>
@@ -3401,7 +3498,7 @@
           <a:p>
             <a:pPr lvl="0"/>
             <a:r>
-              <a:rPr lang="en-US" dirty="0"/>
+              <a:rPr lang="en-US"/>
               <a:t>Click to edit Master text styles</a:t>
             </a:r>
           </a:p>
@@ -3520,7 +3617,7 @@
           <a:p>
             <a:pPr lvl="0"/>
             <a:r>
-              <a:rPr lang="en-US" dirty="0"/>
+              <a:rPr lang="en-US"/>
               <a:t>Click to edit Master text styles</a:t>
             </a:r>
           </a:p>
@@ -3544,9 +3641,9 @@
             <a:fld id="{B61BEF0D-F0BB-DE4B-95CE-6DB70DBA9567}" type="datetimeFigureOut">
               <a:rPr lang="en-US" dirty="0"/>
               <a:pPr/>
-              <a:t>6/25/2023</a:t>
+              <a:t>6/26/2023</a:t>
             </a:fld>
-            <a:endParaRPr lang="en-US" dirty="0"/>
+            <a:endParaRPr lang="en-US"/>
           </a:p>
         </p:txBody>
       </p:sp>
@@ -3565,7 +3662,7 @@
           <a:bodyPr/>
           <a:lstStyle/>
           <a:p>
-            <a:endParaRPr lang="en-US" dirty="0"/>
+            <a:endParaRPr lang="en-US"/>
           </a:p>
         </p:txBody>
       </p:sp>
@@ -3589,7 +3686,7 @@
               <a:pPr/>
               <a:t>‹#›</a:t>
             </a:fld>
-            <a:endParaRPr lang="en-US" dirty="0"/>
+            <a:endParaRPr lang="en-US"/>
           </a:p>
         </p:txBody>
       </p:sp>
@@ -3650,7 +3747,7 @@
           </a:lstStyle>
           <a:p>
             <a:r>
-              <a:rPr lang="en-US" dirty="0"/>
+              <a:rPr lang="en-US"/>
               <a:t>Click to edit Master title style</a:t>
             </a:r>
           </a:p>
@@ -3769,7 +3866,7 @@
           <a:p>
             <a:pPr lvl="0"/>
             <a:r>
-              <a:rPr lang="en-US" dirty="0"/>
+              <a:rPr lang="en-US"/>
               <a:t>Click to edit Master text styles</a:t>
             </a:r>
           </a:p>
@@ -3793,9 +3890,9 @@
             <a:fld id="{B61BEF0D-F0BB-DE4B-95CE-6DB70DBA9567}" type="datetimeFigureOut">
               <a:rPr lang="en-US" dirty="0"/>
               <a:pPr/>
-              <a:t>6/25/2023</a:t>
+              <a:t>6/26/2023</a:t>
             </a:fld>
-            <a:endParaRPr lang="en-US" dirty="0"/>
+            <a:endParaRPr lang="en-US"/>
           </a:p>
         </p:txBody>
       </p:sp>
@@ -3814,7 +3911,7 @@
           <a:bodyPr/>
           <a:lstStyle/>
           <a:p>
-            <a:endParaRPr lang="en-US" dirty="0"/>
+            <a:endParaRPr lang="en-US"/>
           </a:p>
         </p:txBody>
       </p:sp>
@@ -3838,7 +3935,7 @@
               <a:pPr/>
               <a:t>‹#›</a:t>
             </a:fld>
-            <a:endParaRPr lang="en-US" dirty="0"/>
+            <a:endParaRPr lang="en-US"/>
           </a:p>
         </p:txBody>
       </p:sp>
@@ -3977,7 +4074,7 @@
           <a:p>
             <a:pPr lvl="0"/>
             <a:r>
-              <a:rPr lang="en-US" sz="8000" dirty="0">
+              <a:rPr lang="en-US" sz="8000">
                 <a:solidFill>
                   <a:schemeClr val="tx1"/>
                 </a:solidFill>
@@ -4093,7 +4190,7 @@
           <a:p>
             <a:pPr lvl="0" algn="r"/>
             <a:r>
-              <a:rPr lang="en-US" sz="8000" dirty="0">
+              <a:rPr lang="en-US" sz="8000">
                 <a:solidFill>
                   <a:schemeClr val="tx1"/>
                 </a:solidFill>
@@ -4135,7 +4232,7 @@
           </a:lstStyle>
           <a:p>
             <a:r>
-              <a:rPr lang="en-US" dirty="0"/>
+              <a:rPr lang="en-US"/>
               <a:t>Click to edit Master title style</a:t>
             </a:r>
           </a:p>
@@ -4183,7 +4280,7 @@
               <a:buNone/>
             </a:pPr>
             <a:r>
-              <a:rPr lang="en-US" dirty="0"/>
+              <a:rPr lang="en-US"/>
               <a:t>Click to edit Master text styles</a:t>
             </a:r>
           </a:p>
@@ -4302,7 +4399,7 @@
           <a:p>
             <a:pPr lvl="0"/>
             <a:r>
-              <a:rPr lang="en-US" dirty="0"/>
+              <a:rPr lang="en-US"/>
               <a:t>Click to edit Master text styles</a:t>
             </a:r>
           </a:p>
@@ -4326,9 +4423,9 @@
             <a:fld id="{B61BEF0D-F0BB-DE4B-95CE-6DB70DBA9567}" type="datetimeFigureOut">
               <a:rPr lang="en-US" dirty="0"/>
               <a:pPr/>
-              <a:t>6/25/2023</a:t>
+              <a:t>6/26/2023</a:t>
             </a:fld>
-            <a:endParaRPr lang="en-US" dirty="0"/>
+            <a:endParaRPr lang="en-US"/>
           </a:p>
         </p:txBody>
       </p:sp>
@@ -4347,7 +4444,7 @@
           <a:bodyPr/>
           <a:lstStyle/>
           <a:p>
-            <a:endParaRPr lang="en-US" dirty="0"/>
+            <a:endParaRPr lang="en-US"/>
           </a:p>
         </p:txBody>
       </p:sp>
@@ -4371,7 +4468,7 @@
               <a:pPr/>
               <a:t>‹#›</a:t>
             </a:fld>
-            <a:endParaRPr lang="en-US" dirty="0"/>
+            <a:endParaRPr lang="en-US"/>
           </a:p>
         </p:txBody>
       </p:sp>
@@ -4433,7 +4530,7 @@
           <a:p>
             <a:pPr marL="0" lvl="0"/>
             <a:r>
-              <a:rPr lang="en-US" dirty="0"/>
+              <a:rPr lang="en-US"/>
               <a:t>Click to edit Master title style</a:t>
             </a:r>
           </a:p>
@@ -4481,7 +4578,7 @@
               <a:buNone/>
             </a:pPr>
             <a:r>
-              <a:rPr lang="en-US" dirty="0"/>
+              <a:rPr lang="en-US"/>
               <a:t>Click to edit Master text styles</a:t>
             </a:r>
           </a:p>
@@ -4600,7 +4697,7 @@
           <a:p>
             <a:pPr lvl="0"/>
             <a:r>
-              <a:rPr lang="en-US" dirty="0"/>
+              <a:rPr lang="en-US"/>
               <a:t>Click to edit Master text styles</a:t>
             </a:r>
           </a:p>
@@ -4624,9 +4721,9 @@
             <a:fld id="{B61BEF0D-F0BB-DE4B-95CE-6DB70DBA9567}" type="datetimeFigureOut">
               <a:rPr lang="en-US" dirty="0"/>
               <a:pPr/>
-              <a:t>6/25/2023</a:t>
+              <a:t>6/26/2023</a:t>
             </a:fld>
-            <a:endParaRPr lang="en-US" dirty="0"/>
+            <a:endParaRPr lang="en-US"/>
           </a:p>
         </p:txBody>
       </p:sp>
@@ -4645,7 +4742,7 @@
           <a:bodyPr/>
           <a:lstStyle/>
           <a:p>
-            <a:endParaRPr lang="en-US" dirty="0"/>
+            <a:endParaRPr lang="en-US"/>
           </a:p>
         </p:txBody>
       </p:sp>
@@ -4669,7 +4766,7 @@
               <a:pPr/>
               <a:t>‹#›</a:t>
             </a:fld>
-            <a:endParaRPr lang="en-US" dirty="0"/>
+            <a:endParaRPr lang="en-US"/>
           </a:p>
         </p:txBody>
       </p:sp>
@@ -4723,7 +4820,7 @@
           </a:lstStyle>
           <a:p>
             <a:r>
-              <a:rPr lang="en-US" dirty="0"/>
+              <a:rPr lang="en-US"/>
               <a:t>Click to edit Master title style</a:t>
             </a:r>
           </a:p>
@@ -4746,35 +4843,35 @@
           <a:p>
             <a:pPr lvl="0"/>
             <a:r>
-              <a:rPr lang="en-US" dirty="0"/>
+              <a:rPr lang="en-US"/>
               <a:t>Click to edit Master text styles</a:t>
             </a:r>
           </a:p>
           <a:p>
             <a:pPr lvl="1"/>
             <a:r>
-              <a:rPr lang="en-US" dirty="0"/>
+              <a:rPr lang="en-US"/>
               <a:t>Second level</a:t>
             </a:r>
           </a:p>
           <a:p>
             <a:pPr lvl="2"/>
             <a:r>
-              <a:rPr lang="en-US" dirty="0"/>
+              <a:rPr lang="en-US"/>
               <a:t>Third level</a:t>
             </a:r>
           </a:p>
           <a:p>
             <a:pPr lvl="3"/>
             <a:r>
-              <a:rPr lang="en-US" dirty="0"/>
+              <a:rPr lang="en-US"/>
               <a:t>Fourth level</a:t>
             </a:r>
           </a:p>
           <a:p>
             <a:pPr lvl="4"/>
             <a:r>
-              <a:rPr lang="en-US" dirty="0"/>
+              <a:rPr lang="en-US"/>
               <a:t>Fifth level</a:t>
             </a:r>
           </a:p>
@@ -4798,9 +4895,9 @@
             <a:fld id="{B61BEF0D-F0BB-DE4B-95CE-6DB70DBA9567}" type="datetimeFigureOut">
               <a:rPr lang="en-US" dirty="0"/>
               <a:pPr/>
-              <a:t>6/25/2023</a:t>
+              <a:t>6/26/2023</a:t>
             </a:fld>
-            <a:endParaRPr lang="en-US" dirty="0"/>
+            <a:endParaRPr lang="en-US"/>
           </a:p>
         </p:txBody>
       </p:sp>
@@ -4819,7 +4916,7 @@
           <a:bodyPr/>
           <a:lstStyle/>
           <a:p>
-            <a:endParaRPr lang="en-US" dirty="0"/>
+            <a:endParaRPr lang="en-US"/>
           </a:p>
         </p:txBody>
       </p:sp>
@@ -4843,7 +4940,7 @@
               <a:pPr/>
               <a:t>‹#›</a:t>
             </a:fld>
-            <a:endParaRPr lang="en-US" dirty="0"/>
+            <a:endParaRPr lang="en-US"/>
           </a:p>
         </p:txBody>
       </p:sp>
@@ -4898,7 +4995,7 @@
           <a:lstStyle/>
           <a:p>
             <a:r>
-              <a:rPr lang="en-US" dirty="0"/>
+              <a:rPr lang="en-US"/>
               <a:t>Click to edit Master title style</a:t>
             </a:r>
           </a:p>
@@ -4926,35 +5023,35 @@
           <a:p>
             <a:pPr lvl="0"/>
             <a:r>
-              <a:rPr lang="en-US" dirty="0"/>
+              <a:rPr lang="en-US"/>
               <a:t>Click to edit Master text styles</a:t>
             </a:r>
           </a:p>
           <a:p>
             <a:pPr lvl="1"/>
             <a:r>
-              <a:rPr lang="en-US" dirty="0"/>
+              <a:rPr lang="en-US"/>
               <a:t>Second level</a:t>
             </a:r>
           </a:p>
           <a:p>
             <a:pPr lvl="2"/>
             <a:r>
-              <a:rPr lang="en-US" dirty="0"/>
+              <a:rPr lang="en-US"/>
               <a:t>Third level</a:t>
             </a:r>
           </a:p>
           <a:p>
             <a:pPr lvl="3"/>
             <a:r>
-              <a:rPr lang="en-US" dirty="0"/>
+              <a:rPr lang="en-US"/>
               <a:t>Fourth level</a:t>
             </a:r>
           </a:p>
           <a:p>
             <a:pPr lvl="4"/>
             <a:r>
-              <a:rPr lang="en-US" dirty="0"/>
+              <a:rPr lang="en-US"/>
               <a:t>Fifth level</a:t>
             </a:r>
           </a:p>
@@ -4978,9 +5075,9 @@
             <a:fld id="{B61BEF0D-F0BB-DE4B-95CE-6DB70DBA9567}" type="datetimeFigureOut">
               <a:rPr lang="en-US" dirty="0"/>
               <a:pPr/>
-              <a:t>6/25/2023</a:t>
+              <a:t>6/26/2023</a:t>
             </a:fld>
-            <a:endParaRPr lang="en-US" dirty="0"/>
+            <a:endParaRPr lang="en-US"/>
           </a:p>
         </p:txBody>
       </p:sp>
@@ -4999,7 +5096,7 @@
           <a:bodyPr/>
           <a:lstStyle/>
           <a:p>
-            <a:endParaRPr lang="en-US" dirty="0"/>
+            <a:endParaRPr lang="en-US"/>
           </a:p>
         </p:txBody>
       </p:sp>
@@ -5023,7 +5120,7 @@
               <a:pPr/>
               <a:t>‹#›</a:t>
             </a:fld>
-            <a:endParaRPr lang="en-US" dirty="0"/>
+            <a:endParaRPr lang="en-US"/>
           </a:p>
         </p:txBody>
       </p:sp>
@@ -5073,7 +5170,7 @@
           <a:lstStyle/>
           <a:p>
             <a:r>
-              <a:rPr lang="en-US" dirty="0"/>
+              <a:rPr lang="en-US"/>
               <a:t>Click to edit Master title style</a:t>
             </a:r>
           </a:p>
@@ -5096,35 +5193,35 @@
           <a:p>
             <a:pPr lvl="0"/>
             <a:r>
-              <a:rPr lang="en-US" dirty="0"/>
+              <a:rPr lang="en-US"/>
               <a:t>Click to edit Master text styles</a:t>
             </a:r>
           </a:p>
           <a:p>
             <a:pPr lvl="1"/>
             <a:r>
-              <a:rPr lang="en-US" dirty="0"/>
+              <a:rPr lang="en-US"/>
               <a:t>Second level</a:t>
             </a:r>
           </a:p>
           <a:p>
             <a:pPr lvl="2"/>
             <a:r>
-              <a:rPr lang="en-US" dirty="0"/>
+              <a:rPr lang="en-US"/>
               <a:t>Third level</a:t>
             </a:r>
           </a:p>
           <a:p>
             <a:pPr lvl="3"/>
             <a:r>
-              <a:rPr lang="en-US" dirty="0"/>
+              <a:rPr lang="en-US"/>
               <a:t>Fourth level</a:t>
             </a:r>
           </a:p>
           <a:p>
             <a:pPr lvl="4"/>
             <a:r>
-              <a:rPr lang="en-US" dirty="0"/>
+              <a:rPr lang="en-US"/>
               <a:t>Fifth level</a:t>
             </a:r>
           </a:p>
@@ -5148,9 +5245,9 @@
             <a:fld id="{B61BEF0D-F0BB-DE4B-95CE-6DB70DBA9567}" type="datetimeFigureOut">
               <a:rPr lang="en-US" dirty="0"/>
               <a:pPr/>
-              <a:t>6/25/2023</a:t>
+              <a:t>6/26/2023</a:t>
             </a:fld>
-            <a:endParaRPr lang="en-US" dirty="0"/>
+            <a:endParaRPr lang="en-US"/>
           </a:p>
         </p:txBody>
       </p:sp>
@@ -5169,7 +5266,7 @@
           <a:bodyPr/>
           <a:lstStyle/>
           <a:p>
-            <a:endParaRPr lang="en-US" dirty="0"/>
+            <a:endParaRPr lang="en-US"/>
           </a:p>
         </p:txBody>
       </p:sp>
@@ -5198,7 +5295,7 @@
               <a:pPr/>
               <a:t>‹#›</a:t>
             </a:fld>
-            <a:endParaRPr lang="en-US" dirty="0"/>
+            <a:endParaRPr lang="en-US"/>
           </a:p>
         </p:txBody>
       </p:sp>
@@ -5257,7 +5354,7 @@
           </a:lstStyle>
           <a:p>
             <a:r>
-              <a:rPr lang="en-US" dirty="0"/>
+              <a:rPr lang="en-US"/>
               <a:t>Click to edit Master title style</a:t>
             </a:r>
           </a:p>
@@ -5376,7 +5473,7 @@
           <a:p>
             <a:pPr lvl="0"/>
             <a:r>
-              <a:rPr lang="en-US" dirty="0"/>
+              <a:rPr lang="en-US"/>
               <a:t>Click to edit Master text styles</a:t>
             </a:r>
           </a:p>
@@ -5400,9 +5497,9 @@
             <a:fld id="{B61BEF0D-F0BB-DE4B-95CE-6DB70DBA9567}" type="datetimeFigureOut">
               <a:rPr lang="en-US" dirty="0"/>
               <a:pPr/>
-              <a:t>6/25/2023</a:t>
+              <a:t>6/26/2023</a:t>
             </a:fld>
-            <a:endParaRPr lang="en-US" dirty="0"/>
+            <a:endParaRPr lang="en-US"/>
           </a:p>
         </p:txBody>
       </p:sp>
@@ -5421,7 +5518,7 @@
           <a:bodyPr/>
           <a:lstStyle/>
           <a:p>
-            <a:endParaRPr lang="en-US" dirty="0"/>
+            <a:endParaRPr lang="en-US"/>
           </a:p>
         </p:txBody>
       </p:sp>
@@ -5445,7 +5542,7 @@
               <a:pPr/>
               <a:t>‹#›</a:t>
             </a:fld>
-            <a:endParaRPr lang="en-US" dirty="0"/>
+            <a:endParaRPr lang="en-US"/>
           </a:p>
         </p:txBody>
       </p:sp>
@@ -5500,7 +5597,7 @@
           <a:lstStyle/>
           <a:p>
             <a:r>
-              <a:rPr lang="en-US" dirty="0"/>
+              <a:rPr lang="en-US"/>
               <a:t>Click to edit Master title style</a:t>
             </a:r>
           </a:p>
@@ -5558,35 +5655,35 @@
           <a:p>
             <a:pPr lvl="0"/>
             <a:r>
-              <a:rPr lang="en-US" dirty="0"/>
+              <a:rPr lang="en-US"/>
               <a:t>Click to edit Master text styles</a:t>
             </a:r>
           </a:p>
           <a:p>
             <a:pPr lvl="1"/>
             <a:r>
-              <a:rPr lang="en-US" dirty="0"/>
+              <a:rPr lang="en-US"/>
               <a:t>Second level</a:t>
             </a:r>
           </a:p>
           <a:p>
             <a:pPr lvl="2"/>
             <a:r>
-              <a:rPr lang="en-US" dirty="0"/>
+              <a:rPr lang="en-US"/>
               <a:t>Third level</a:t>
             </a:r>
           </a:p>
           <a:p>
             <a:pPr lvl="3"/>
             <a:r>
-              <a:rPr lang="en-US" dirty="0"/>
+              <a:rPr lang="en-US"/>
               <a:t>Fourth level</a:t>
             </a:r>
           </a:p>
           <a:p>
             <a:pPr lvl="4"/>
             <a:r>
-              <a:rPr lang="en-US" dirty="0"/>
+              <a:rPr lang="en-US"/>
               <a:t>Fifth level</a:t>
             </a:r>
           </a:p>
@@ -5644,35 +5741,35 @@
           <a:p>
             <a:pPr lvl="0"/>
             <a:r>
-              <a:rPr lang="en-US" dirty="0"/>
+              <a:rPr lang="en-US"/>
               <a:t>Click to edit Master text styles</a:t>
             </a:r>
           </a:p>
           <a:p>
             <a:pPr lvl="1"/>
             <a:r>
-              <a:rPr lang="en-US" dirty="0"/>
+              <a:rPr lang="en-US"/>
               <a:t>Second level</a:t>
             </a:r>
           </a:p>
           <a:p>
             <a:pPr lvl="2"/>
             <a:r>
-              <a:rPr lang="en-US" dirty="0"/>
+              <a:rPr lang="en-US"/>
               <a:t>Third level</a:t>
             </a:r>
           </a:p>
           <a:p>
             <a:pPr lvl="3"/>
             <a:r>
-              <a:rPr lang="en-US" dirty="0"/>
+              <a:rPr lang="en-US"/>
               <a:t>Fourth level</a:t>
             </a:r>
           </a:p>
           <a:p>
             <a:pPr lvl="4"/>
             <a:r>
-              <a:rPr lang="en-US" dirty="0"/>
+              <a:rPr lang="en-US"/>
               <a:t>Fifth level</a:t>
             </a:r>
           </a:p>
@@ -5696,9 +5793,9 @@
             <a:fld id="{B61BEF0D-F0BB-DE4B-95CE-6DB70DBA9567}" type="datetimeFigureOut">
               <a:rPr lang="en-US" dirty="0"/>
               <a:pPr/>
-              <a:t>6/25/2023</a:t>
+              <a:t>6/26/2023</a:t>
             </a:fld>
-            <a:endParaRPr lang="en-US" dirty="0"/>
+            <a:endParaRPr lang="en-US"/>
           </a:p>
         </p:txBody>
       </p:sp>
@@ -5717,7 +5814,7 @@
           <a:bodyPr/>
           <a:lstStyle/>
           <a:p>
-            <a:endParaRPr lang="en-US" dirty="0"/>
+            <a:endParaRPr lang="en-US"/>
           </a:p>
         </p:txBody>
       </p:sp>
@@ -5741,7 +5838,7 @@
               <a:pPr/>
               <a:t>‹#›</a:t>
             </a:fld>
-            <a:endParaRPr lang="en-US" dirty="0"/>
+            <a:endParaRPr lang="en-US"/>
           </a:p>
         </p:txBody>
       </p:sp>
@@ -5795,7 +5892,7 @@
           </a:lstStyle>
           <a:p>
             <a:r>
-              <a:rPr lang="en-US" dirty="0"/>
+              <a:rPr lang="en-US"/>
               <a:t>Click to edit Master title style</a:t>
             </a:r>
           </a:p>
@@ -5868,7 +5965,7 @@
           <a:p>
             <a:pPr lvl="0"/>
             <a:r>
-              <a:rPr lang="en-US" dirty="0"/>
+              <a:rPr lang="en-US"/>
               <a:t>Click to edit Master text styles</a:t>
             </a:r>
           </a:p>
@@ -5926,35 +6023,35 @@
           <a:p>
             <a:pPr lvl="0"/>
             <a:r>
-              <a:rPr lang="en-US" dirty="0"/>
+              <a:rPr lang="en-US"/>
               <a:t>Click to edit Master text styles</a:t>
             </a:r>
           </a:p>
           <a:p>
             <a:pPr lvl="1"/>
             <a:r>
-              <a:rPr lang="en-US" dirty="0"/>
+              <a:rPr lang="en-US"/>
               <a:t>Second level</a:t>
             </a:r>
           </a:p>
           <a:p>
             <a:pPr lvl="2"/>
             <a:r>
-              <a:rPr lang="en-US" dirty="0"/>
+              <a:rPr lang="en-US"/>
               <a:t>Third level</a:t>
             </a:r>
           </a:p>
           <a:p>
             <a:pPr lvl="3"/>
             <a:r>
-              <a:rPr lang="en-US" dirty="0"/>
+              <a:rPr lang="en-US"/>
               <a:t>Fourth level</a:t>
             </a:r>
           </a:p>
           <a:p>
             <a:pPr lvl="4"/>
             <a:r>
-              <a:rPr lang="en-US" dirty="0"/>
+              <a:rPr lang="en-US"/>
               <a:t>Fifth level</a:t>
             </a:r>
           </a:p>
@@ -6027,7 +6124,7 @@
           <a:p>
             <a:pPr lvl="0"/>
             <a:r>
-              <a:rPr lang="en-US" dirty="0"/>
+              <a:rPr lang="en-US"/>
               <a:t>Click to edit Master text styles</a:t>
             </a:r>
           </a:p>
@@ -6085,35 +6182,35 @@
           <a:p>
             <a:pPr lvl="0"/>
             <a:r>
-              <a:rPr lang="en-US" dirty="0"/>
+              <a:rPr lang="en-US"/>
               <a:t>Click to edit Master text styles</a:t>
             </a:r>
           </a:p>
           <a:p>
             <a:pPr lvl="1"/>
             <a:r>
-              <a:rPr lang="en-US" dirty="0"/>
+              <a:rPr lang="en-US"/>
               <a:t>Second level</a:t>
             </a:r>
           </a:p>
           <a:p>
             <a:pPr lvl="2"/>
             <a:r>
-              <a:rPr lang="en-US" dirty="0"/>
+              <a:rPr lang="en-US"/>
               <a:t>Third level</a:t>
             </a:r>
           </a:p>
           <a:p>
             <a:pPr lvl="3"/>
             <a:r>
-              <a:rPr lang="en-US" dirty="0"/>
+              <a:rPr lang="en-US"/>
               <a:t>Fourth level</a:t>
             </a:r>
           </a:p>
           <a:p>
             <a:pPr lvl="4"/>
             <a:r>
-              <a:rPr lang="en-US" dirty="0"/>
+              <a:rPr lang="en-US"/>
               <a:t>Fifth level</a:t>
             </a:r>
           </a:p>
@@ -6137,9 +6234,9 @@
             <a:fld id="{B61BEF0D-F0BB-DE4B-95CE-6DB70DBA9567}" type="datetimeFigureOut">
               <a:rPr lang="en-US" dirty="0"/>
               <a:pPr/>
-              <a:t>6/25/2023</a:t>
+              <a:t>6/26/2023</a:t>
             </a:fld>
-            <a:endParaRPr lang="en-US" dirty="0"/>
+            <a:endParaRPr lang="en-US"/>
           </a:p>
         </p:txBody>
       </p:sp>
@@ -6158,7 +6255,7 @@
           <a:bodyPr/>
           <a:lstStyle/>
           <a:p>
-            <a:endParaRPr lang="en-US" dirty="0"/>
+            <a:endParaRPr lang="en-US"/>
           </a:p>
         </p:txBody>
       </p:sp>
@@ -6182,7 +6279,7 @@
               <a:pPr/>
               <a:t>‹#›</a:t>
             </a:fld>
-            <a:endParaRPr lang="en-US" dirty="0"/>
+            <a:endParaRPr lang="en-US"/>
           </a:p>
         </p:txBody>
       </p:sp>
@@ -6232,7 +6329,7 @@
           <a:lstStyle/>
           <a:p>
             <a:r>
-              <a:rPr lang="en-US" dirty="0"/>
+              <a:rPr lang="en-US"/>
               <a:t>Click to edit Master title style</a:t>
             </a:r>
           </a:p>
@@ -6256,9 +6353,9 @@
             <a:fld id="{B61BEF0D-F0BB-DE4B-95CE-6DB70DBA9567}" type="datetimeFigureOut">
               <a:rPr lang="en-US" dirty="0"/>
               <a:pPr/>
-              <a:t>6/25/2023</a:t>
+              <a:t>6/26/2023</a:t>
             </a:fld>
-            <a:endParaRPr lang="en-US" dirty="0"/>
+            <a:endParaRPr lang="en-US"/>
           </a:p>
         </p:txBody>
       </p:sp>
@@ -6277,7 +6374,7 @@
           <a:bodyPr/>
           <a:lstStyle/>
           <a:p>
-            <a:endParaRPr lang="en-US" dirty="0"/>
+            <a:endParaRPr lang="en-US"/>
           </a:p>
         </p:txBody>
       </p:sp>
@@ -6301,7 +6398,7 @@
               <a:pPr/>
               <a:t>‹#›</a:t>
             </a:fld>
-            <a:endParaRPr lang="en-US" dirty="0"/>
+            <a:endParaRPr lang="en-US"/>
           </a:p>
         </p:txBody>
       </p:sp>
@@ -6353,9 +6450,9 @@
             <a:fld id="{B61BEF0D-F0BB-DE4B-95CE-6DB70DBA9567}" type="datetimeFigureOut">
               <a:rPr lang="en-US" dirty="0"/>
               <a:pPr/>
-              <a:t>6/25/2023</a:t>
+              <a:t>6/26/2023</a:t>
             </a:fld>
-            <a:endParaRPr lang="en-US" dirty="0"/>
+            <a:endParaRPr lang="en-US"/>
           </a:p>
         </p:txBody>
       </p:sp>
@@ -6374,7 +6471,7 @@
           <a:bodyPr/>
           <a:lstStyle/>
           <a:p>
-            <a:endParaRPr lang="en-US" dirty="0"/>
+            <a:endParaRPr lang="en-US"/>
           </a:p>
         </p:txBody>
       </p:sp>
@@ -6398,7 +6495,7 @@
               <a:pPr/>
               <a:t>‹#›</a:t>
             </a:fld>
-            <a:endParaRPr lang="en-US" dirty="0"/>
+            <a:endParaRPr lang="en-US"/>
           </a:p>
         </p:txBody>
       </p:sp>
@@ -6459,7 +6556,7 @@
           </a:lstStyle>
           <a:p>
             <a:r>
-              <a:rPr lang="en-US" dirty="0"/>
+              <a:rPr lang="en-US"/>
               <a:t>Click to edit Master title style</a:t>
             </a:r>
           </a:p>
@@ -6517,35 +6614,35 @@
           <a:p>
             <a:pPr lvl="0"/>
             <a:r>
-              <a:rPr lang="en-US" dirty="0"/>
+              <a:rPr lang="en-US"/>
               <a:t>Click to edit Master text styles</a:t>
             </a:r>
           </a:p>
           <a:p>
             <a:pPr lvl="1"/>
             <a:r>
-              <a:rPr lang="en-US" dirty="0"/>
+              <a:rPr lang="en-US"/>
               <a:t>Second level</a:t>
             </a:r>
           </a:p>
           <a:p>
             <a:pPr lvl="2"/>
             <a:r>
-              <a:rPr lang="en-US" dirty="0"/>
+              <a:rPr lang="en-US"/>
               <a:t>Third level</a:t>
             </a:r>
           </a:p>
           <a:p>
             <a:pPr lvl="3"/>
             <a:r>
-              <a:rPr lang="en-US" dirty="0"/>
+              <a:rPr lang="en-US"/>
               <a:t>Fourth level</a:t>
             </a:r>
           </a:p>
           <a:p>
             <a:pPr lvl="4"/>
             <a:r>
-              <a:rPr lang="en-US" dirty="0"/>
+              <a:rPr lang="en-US"/>
               <a:t>Fifth level</a:t>
             </a:r>
           </a:p>
@@ -6612,7 +6709,7 @@
           <a:p>
             <a:pPr lvl="0"/>
             <a:r>
-              <a:rPr lang="en-US" dirty="0"/>
+              <a:rPr lang="en-US"/>
               <a:t>Click to edit Master text styles</a:t>
             </a:r>
           </a:p>
@@ -6636,9 +6733,9 @@
             <a:fld id="{B61BEF0D-F0BB-DE4B-95CE-6DB70DBA9567}" type="datetimeFigureOut">
               <a:rPr lang="en-US" dirty="0"/>
               <a:pPr/>
-              <a:t>6/25/2023</a:t>
+              <a:t>6/26/2023</a:t>
             </a:fld>
-            <a:endParaRPr lang="en-US" dirty="0"/>
+            <a:endParaRPr lang="en-US"/>
           </a:p>
         </p:txBody>
       </p:sp>
@@ -6657,7 +6754,7 @@
           <a:bodyPr/>
           <a:lstStyle/>
           <a:p>
-            <a:endParaRPr lang="en-US" dirty="0"/>
+            <a:endParaRPr lang="en-US"/>
           </a:p>
         </p:txBody>
       </p:sp>
@@ -6681,7 +6778,7 @@
               <a:pPr/>
               <a:t>‹#›</a:t>
             </a:fld>
-            <a:endParaRPr lang="en-US" dirty="0"/>
+            <a:endParaRPr lang="en-US"/>
           </a:p>
         </p:txBody>
       </p:sp>
@@ -6742,7 +6839,7 @@
           </a:lstStyle>
           <a:p>
             <a:r>
-              <a:rPr lang="en-US" dirty="0"/>
+              <a:rPr lang="en-US"/>
               <a:t>Click to edit Master title style</a:t>
             </a:r>
           </a:p>
@@ -6835,7 +6932,7 @@
             </a:lvl9pPr>
           </a:lstStyle>
           <a:p>
-            <a:endParaRPr lang="en-US" dirty="0"/>
+            <a:endParaRPr lang="en-US"/>
           </a:p>
         </p:txBody>
       </p:sp>
@@ -6900,7 +6997,7 @@
           <a:p>
             <a:pPr lvl="0"/>
             <a:r>
-              <a:rPr lang="en-US" dirty="0"/>
+              <a:rPr lang="en-US"/>
               <a:t>Click to edit Master text styles</a:t>
             </a:r>
           </a:p>
@@ -6924,9 +7021,9 @@
             <a:fld id="{B61BEF0D-F0BB-DE4B-95CE-6DB70DBA9567}" type="datetimeFigureOut">
               <a:rPr lang="en-US" dirty="0"/>
               <a:pPr/>
-              <a:t>6/25/2023</a:t>
+              <a:t>6/26/2023</a:t>
             </a:fld>
-            <a:endParaRPr lang="en-US" dirty="0"/>
+            <a:endParaRPr lang="en-US"/>
           </a:p>
         </p:txBody>
       </p:sp>
@@ -6945,7 +7042,7 @@
           <a:bodyPr/>
           <a:lstStyle/>
           <a:p>
-            <a:endParaRPr lang="en-US" dirty="0"/>
+            <a:endParaRPr lang="en-US"/>
           </a:p>
         </p:txBody>
       </p:sp>
@@ -6969,7 +7066,7 @@
               <a:pPr/>
               <a:t>‹#›</a:t>
             </a:fld>
-            <a:endParaRPr lang="en-US" dirty="0"/>
+            <a:endParaRPr lang="en-US"/>
           </a:p>
         </p:txBody>
       </p:sp>
@@ -7351,7 +7448,7 @@
           <a:lstStyle/>
           <a:p>
             <a:r>
-              <a:rPr lang="en-US" dirty="0"/>
+              <a:rPr lang="en-US"/>
               <a:t>Click to edit Master title style</a:t>
             </a:r>
           </a:p>
@@ -7384,35 +7481,35 @@
           <a:p>
             <a:pPr lvl="0"/>
             <a:r>
-              <a:rPr lang="en-US" dirty="0"/>
+              <a:rPr lang="en-US"/>
               <a:t>Click to edit Master text styles</a:t>
             </a:r>
           </a:p>
           <a:p>
             <a:pPr lvl="1"/>
             <a:r>
-              <a:rPr lang="en-US" dirty="0"/>
+              <a:rPr lang="en-US"/>
               <a:t>Second level</a:t>
             </a:r>
           </a:p>
           <a:p>
             <a:pPr lvl="2"/>
             <a:r>
-              <a:rPr lang="en-US" dirty="0"/>
+              <a:rPr lang="en-US"/>
               <a:t>Third level</a:t>
             </a:r>
           </a:p>
           <a:p>
             <a:pPr lvl="3"/>
             <a:r>
-              <a:rPr lang="en-US" dirty="0"/>
+              <a:rPr lang="en-US"/>
               <a:t>Fourth level</a:t>
             </a:r>
           </a:p>
           <a:p>
             <a:pPr lvl="4"/>
             <a:r>
-              <a:rPr lang="en-US" dirty="0"/>
+              <a:rPr lang="en-US"/>
               <a:t>Fifth level</a:t>
             </a:r>
           </a:p>
@@ -7454,9 +7551,9 @@
             <a:fld id="{B61BEF0D-F0BB-DE4B-95CE-6DB70DBA9567}" type="datetimeFigureOut">
               <a:rPr lang="en-US" dirty="0"/>
               <a:pPr/>
-              <a:t>6/25/2023</a:t>
+              <a:t>6/26/2023</a:t>
             </a:fld>
-            <a:endParaRPr lang="en-US" dirty="0"/>
+            <a:endParaRPr lang="en-US"/>
           </a:p>
         </p:txBody>
       </p:sp>
@@ -7493,7 +7590,7 @@
             </a:lvl1pPr>
           </a:lstStyle>
           <a:p>
-            <a:endParaRPr lang="en-US" dirty="0"/>
+            <a:endParaRPr lang="en-US"/>
           </a:p>
         </p:txBody>
       </p:sp>
@@ -7535,7 +7632,7 @@
               <a:pPr/>
               <a:t>‹#›</a:t>
             </a:fld>
-            <a:endParaRPr lang="en-US" dirty="0"/>
+            <a:endParaRPr lang="en-US"/>
           </a:p>
         </p:txBody>
       </p:sp>
@@ -8017,59 +8114,59 @@
           <a:lstStyle/>
           <a:p>
             <a:r>
-              <a:rPr lang="en-US" sz="4800" dirty="0" err="1"/>
+              <a:rPr lang="en-US" sz="4800" err="1"/>
               <a:t>Mainīgie</a:t>
             </a:r>
             <a:r>
-              <a:rPr lang="en-US" sz="4800" dirty="0"/>
+              <a:rPr lang="en-US" sz="4800"/>
               <a:t>, to </a:t>
             </a:r>
             <a:r>
-              <a:rPr lang="en-US" sz="4800" dirty="0" err="1"/>
+              <a:rPr lang="en-US" sz="4800" err="1"/>
               <a:t>datu</a:t>
             </a:r>
             <a:r>
-              <a:rPr lang="en-US" sz="4800" dirty="0"/>
+              <a:rPr lang="en-US" sz="4800"/>
               <a:t> tipi, </a:t>
             </a:r>
             <a:r>
-              <a:rPr lang="en-US" sz="4800" dirty="0" err="1"/>
+              <a:rPr lang="en-US" sz="4800" err="1"/>
               <a:t>pamatdarbības</a:t>
             </a:r>
             <a:r>
-              <a:rPr lang="en-US" sz="4800" dirty="0"/>
+              <a:rPr lang="en-US" sz="4800"/>
               <a:t> </a:t>
             </a:r>
             <a:r>
-              <a:rPr lang="en-US" sz="4800" dirty="0" err="1"/>
+              <a:rPr lang="en-US" sz="4800" err="1"/>
               <a:t>ar</a:t>
             </a:r>
             <a:r>
-              <a:rPr lang="en-US" sz="4800" dirty="0"/>
+              <a:rPr lang="en-US" sz="4800"/>
               <a:t> </a:t>
             </a:r>
             <a:r>
-              <a:rPr lang="en-US" sz="4800" dirty="0" err="1"/>
+              <a:rPr lang="en-US" sz="4800" err="1"/>
               <a:t>tiem</a:t>
             </a:r>
             <a:r>
-              <a:rPr lang="en-US" sz="4800" dirty="0"/>
+              <a:rPr lang="en-US" sz="4800"/>
               <a:t> C# </a:t>
             </a:r>
             <a:r>
-              <a:rPr lang="en-US" sz="4800" dirty="0" err="1"/>
+              <a:rPr lang="en-US" sz="4800" err="1"/>
               <a:t>programešanas</a:t>
             </a:r>
             <a:r>
-              <a:rPr lang="en-US" sz="4800" dirty="0"/>
+              <a:rPr lang="en-US" sz="4800"/>
               <a:t> </a:t>
             </a:r>
             <a:r>
-              <a:rPr lang="en-US" sz="4800" dirty="0" err="1"/>
+              <a:rPr lang="en-US" sz="4800" err="1"/>
               <a:t>valoda</a:t>
             </a:r>
             <a:r>
-              <a:rPr lang="en-US" sz="4800" dirty="0"/>
+              <a:rPr lang="en-US" sz="4800"/>
               <a:t> </a:t>
             </a:r>
           </a:p>
@@ -8098,7 +8195,7 @@
           <a:lstStyle/>
           <a:p>
             <a:r>
-              <a:rPr lang="en-US" sz="2000" dirty="0" err="1">
+              <a:rPr lang="en-US" sz="2000" err="1">
                 <a:solidFill>
                   <a:schemeClr val="tx1">
                     <a:alpha val="70000"/>
@@ -8108,7 +8205,7 @@
               <a:t>Autors</a:t>
             </a:r>
             <a:r>
-              <a:rPr lang="en-US" sz="2000" dirty="0">
+              <a:rPr lang="en-US" sz="2000">
                 <a:solidFill>
                   <a:schemeClr val="tx1">
                     <a:alpha val="70000"/>
@@ -8118,7 +8215,7 @@
               <a:t>: Māris </a:t>
             </a:r>
             <a:r>
-              <a:rPr lang="en-US" sz="2000" dirty="0" err="1">
+              <a:rPr lang="en-US" sz="2000" err="1">
                 <a:solidFill>
                   <a:schemeClr val="tx1">
                     <a:alpha val="70000"/>
@@ -8182,19 +8279,19 @@
           <a:lstStyle/>
           <a:p>
             <a:r>
-              <a:rPr lang="en-US" dirty="0"/>
+              <a:rPr lang="en-US"/>
               <a:t>Datu </a:t>
             </a:r>
             <a:r>
-              <a:rPr lang="en-US" dirty="0" err="1"/>
+              <a:rPr lang="en-US" err="1"/>
               <a:t>tipu</a:t>
             </a:r>
             <a:r>
-              <a:rPr lang="en-US" dirty="0"/>
+              <a:rPr lang="en-US"/>
               <a:t> char </a:t>
             </a:r>
             <a:r>
-              <a:rPr lang="en-US" dirty="0" err="1"/>
+              <a:rPr lang="en-US" err="1"/>
               <a:t>ipašības</a:t>
             </a:r>
           </a:p>
@@ -8222,59 +8319,59 @@
           <a:lstStyle/>
           <a:p>
             <a:r>
-              <a:rPr lang="en-US" dirty="0" err="1"/>
+              <a:rPr lang="en-US" err="1"/>
               <a:t>Mainīgais</a:t>
             </a:r>
             <a:r>
-              <a:rPr lang="en-US" dirty="0"/>
+              <a:rPr lang="en-US"/>
               <a:t> var </a:t>
             </a:r>
             <a:r>
-              <a:rPr lang="en-US" dirty="0" err="1"/>
+              <a:rPr lang="en-US" err="1"/>
               <a:t>uzturēt</a:t>
             </a:r>
             <a:r>
-              <a:rPr lang="en-US" dirty="0"/>
+              <a:rPr lang="en-US"/>
               <a:t> </a:t>
             </a:r>
             <a:r>
-              <a:rPr lang="en-US" dirty="0" err="1"/>
+              <a:rPr lang="en-US" err="1"/>
               <a:t>tikai</a:t>
             </a:r>
             <a:r>
-              <a:rPr lang="en-US" dirty="0"/>
+              <a:rPr lang="en-US"/>
               <a:t> </a:t>
             </a:r>
             <a:r>
-              <a:rPr lang="en-US" dirty="0" err="1"/>
+              <a:rPr lang="en-US" err="1"/>
               <a:t>vienu</a:t>
             </a:r>
             <a:r>
-              <a:rPr lang="en-US" dirty="0"/>
+              <a:rPr lang="en-US"/>
               <a:t> </a:t>
             </a:r>
             <a:r>
-              <a:rPr lang="en-US" dirty="0" err="1"/>
+              <a:rPr lang="en-US" err="1"/>
               <a:t>simbolu</a:t>
             </a:r>
             <a:r>
-              <a:rPr lang="en-US" dirty="0"/>
+              <a:rPr lang="en-US"/>
               <a:t> ka </a:t>
             </a:r>
             <a:r>
-              <a:rPr lang="en-US" dirty="0" err="1"/>
+              <a:rPr lang="en-US" err="1"/>
               <a:t>savu</a:t>
             </a:r>
             <a:r>
-              <a:rPr lang="en-US" dirty="0"/>
+              <a:rPr lang="en-US"/>
               <a:t> </a:t>
             </a:r>
             <a:r>
-              <a:rPr lang="en-US" dirty="0" err="1"/>
+              <a:rPr lang="en-US" err="1"/>
               <a:t>vertību</a:t>
             </a:r>
             <a:r>
-              <a:rPr lang="en-US" dirty="0"/>
+              <a:rPr lang="en-US"/>
               <a:t>.</a:t>
             </a:r>
           </a:p>
@@ -8285,47 +8382,47 @@
               </a:buClr>
             </a:pPr>
             <a:r>
-              <a:rPr lang="en-US" dirty="0"/>
+              <a:rPr lang="en-US"/>
               <a:t>Lai </a:t>
             </a:r>
             <a:r>
-              <a:rPr lang="en-US" dirty="0" err="1"/>
+              <a:rPr lang="en-US" err="1"/>
               <a:t>ievadītu</a:t>
             </a:r>
             <a:r>
-              <a:rPr lang="en-US" dirty="0"/>
+              <a:rPr lang="en-US"/>
               <a:t> </a:t>
             </a:r>
             <a:r>
-              <a:rPr lang="en-US" dirty="0" err="1"/>
+              <a:rPr lang="en-US" err="1"/>
               <a:t>simbolu</a:t>
             </a:r>
             <a:r>
-              <a:rPr lang="en-US" dirty="0"/>
+              <a:rPr lang="en-US"/>
               <a:t> ka </a:t>
             </a:r>
             <a:r>
-              <a:rPr lang="en-US" dirty="0" err="1"/>
+              <a:rPr lang="en-US" err="1"/>
               <a:t>vertību</a:t>
             </a:r>
             <a:r>
-              <a:rPr lang="en-US" dirty="0"/>
+              <a:rPr lang="en-US"/>
               <a:t> char </a:t>
             </a:r>
             <a:r>
-              <a:rPr lang="en-US" dirty="0" err="1"/>
+              <a:rPr lang="en-US" err="1"/>
               <a:t>manigaja</a:t>
             </a:r>
             <a:r>
-              <a:rPr lang="en-US" dirty="0"/>
+              <a:rPr lang="en-US"/>
               <a:t> </a:t>
             </a:r>
             <a:r>
-              <a:rPr lang="en-US" dirty="0" err="1"/>
+              <a:rPr lang="en-US" err="1"/>
               <a:t>izmanto</a:t>
             </a:r>
             <a:r>
-              <a:rPr lang="en-US" dirty="0"/>
+              <a:rPr lang="en-US"/>
               <a:t>: ' '</a:t>
             </a:r>
           </a:p>
@@ -8396,6 +8493,159 @@
           <p:cNvPr id="2" name="Title 1">
             <a:extLst>
               <a:ext uri="{FF2B5EF4-FFF2-40B4-BE49-F238E27FC236}">
+                <a16:creationId xmlns:a16="http://schemas.microsoft.com/office/drawing/2014/main" id="{4634A4BC-ABCB-C13B-2E86-F3C6B68B36C8}"/>
+              </a:ext>
+            </a:extLst>
+          </p:cNvPr>
+          <p:cNvSpPr>
+            <a:spLocks noGrp="1"/>
+          </p:cNvSpPr>
+          <p:nvPr>
+            <p:ph type="title"/>
+          </p:nvPr>
+        </p:nvSpPr>
+        <p:spPr/>
+        <p:txBody>
+          <a:bodyPr/>
+          <a:lstStyle/>
+          <a:p>
+            <a:r>
+              <a:rPr lang="en-US" dirty="0"/>
+              <a:t>Char ASCII </a:t>
+            </a:r>
+          </a:p>
+        </p:txBody>
+      </p:sp>
+      <p:sp>
+        <p:nvSpPr>
+          <p:cNvPr id="3" name="Content Placeholder 2">
+            <a:extLst>
+              <a:ext uri="{FF2B5EF4-FFF2-40B4-BE49-F238E27FC236}">
+                <a16:creationId xmlns:a16="http://schemas.microsoft.com/office/drawing/2014/main" id="{34302DE3-A9BC-ABBE-8867-3ED09079E99F}"/>
+              </a:ext>
+            </a:extLst>
+          </p:cNvPr>
+          <p:cNvSpPr>
+            <a:spLocks noGrp="1"/>
+          </p:cNvSpPr>
+          <p:nvPr>
+            <p:ph idx="1"/>
+          </p:nvPr>
+        </p:nvSpPr>
+        <p:spPr/>
+        <p:txBody>
+          <a:bodyPr/>
+          <a:lstStyle/>
+          <a:p>
+            <a:endParaRPr lang="en-US" dirty="0"/>
+          </a:p>
+          <a:p>
+            <a:pPr>
+              <a:buClr>
+                <a:srgbClr val="8D1515"/>
+              </a:buClr>
+            </a:pPr>
+            <a:endParaRPr lang="en-US" dirty="0"/>
+          </a:p>
+          <a:p>
+            <a:pPr>
+              <a:buClr>
+                <a:srgbClr val="8D1515"/>
+              </a:buClr>
+            </a:pPr>
+            <a:endParaRPr lang="en-US" dirty="0"/>
+          </a:p>
+          <a:p>
+            <a:pPr>
+              <a:buClr>
+                <a:srgbClr val="8D1515"/>
+              </a:buClr>
+            </a:pPr>
+            <a:endParaRPr lang="en-US" dirty="0"/>
+          </a:p>
+          <a:p>
+            <a:pPr>
+              <a:buClr>
+                <a:srgbClr val="8D1515"/>
+              </a:buClr>
+            </a:pPr>
+            <a:endParaRPr lang="en-US" dirty="0"/>
+          </a:p>
+          <a:p>
+            <a:pPr>
+              <a:buClr>
+                <a:srgbClr val="8D1515"/>
+              </a:buClr>
+            </a:pPr>
+            <a:endParaRPr lang="en-US" dirty="0"/>
+          </a:p>
+        </p:txBody>
+      </p:sp>
+      <p:pic>
+        <p:nvPicPr>
+          <p:cNvPr id="4" name="Picture 4" descr="A picture containing table&#10;&#10;Description automatically generated">
+            <a:extLst>
+              <a:ext uri="{FF2B5EF4-FFF2-40B4-BE49-F238E27FC236}">
+                <a16:creationId xmlns:a16="http://schemas.microsoft.com/office/drawing/2014/main" id="{CEC54F76-FB7D-2868-CB44-0D30AD86A4B3}"/>
+              </a:ext>
+            </a:extLst>
+          </p:cNvPr>
+          <p:cNvPicPr>
+            <a:picLocks noChangeAspect="1"/>
+          </p:cNvPicPr>
+          <p:nvPr/>
+        </p:nvPicPr>
+        <p:blipFill>
+          <a:blip r:embed="rId2"/>
+          <a:stretch>
+            <a:fillRect/>
+          </a:stretch>
+        </p:blipFill>
+        <p:spPr>
+          <a:xfrm>
+            <a:off x="2824105" y="2198009"/>
+            <a:ext cx="7334013" cy="4343464"/>
+          </a:xfrm>
+          <a:prstGeom prst="rect">
+            <a:avLst/>
+          </a:prstGeom>
+        </p:spPr>
+      </p:pic>
+    </p:spTree>
+    <p:extLst>
+      <p:ext uri="{BB962C8B-B14F-4D97-AF65-F5344CB8AC3E}">
+        <p14:creationId xmlns:p14="http://schemas.microsoft.com/office/powerpoint/2010/main" val="3587565346"/>
+      </p:ext>
+    </p:extLst>
+  </p:cSld>
+  <p:clrMapOvr>
+    <a:masterClrMapping/>
+  </p:clrMapOvr>
+</p:sld>
+</file>
+
+<file path=ppt/slides/slide12.xml><?xml version="1.0" encoding="utf-8"?>
+<p:sld xmlns:a="http://schemas.openxmlformats.org/drawingml/2006/main" xmlns:r="http://schemas.openxmlformats.org/officeDocument/2006/relationships" xmlns:p="http://schemas.openxmlformats.org/presentationml/2006/main">
+  <p:cSld>
+    <p:spTree>
+      <p:nvGrpSpPr>
+        <p:cNvPr id="1" name=""/>
+        <p:cNvGrpSpPr/>
+        <p:nvPr/>
+      </p:nvGrpSpPr>
+      <p:grpSpPr>
+        <a:xfrm>
+          <a:off x="0" y="0"/>
+          <a:ext cx="0" cy="0"/>
+          <a:chOff x="0" y="0"/>
+          <a:chExt cx="0" cy="0"/>
+        </a:xfrm>
+      </p:grpSpPr>
+      <p:sp>
+        <p:nvSpPr>
+          <p:cNvPr id="2" name="Title 1">
+            <a:extLst>
+              <a:ext uri="{FF2B5EF4-FFF2-40B4-BE49-F238E27FC236}">
                 <a16:creationId xmlns:a16="http://schemas.microsoft.com/office/drawing/2014/main" id="{A5282059-CA7E-4472-F3F3-3EF78955F7B8}"/>
               </a:ext>
             </a:extLst>
@@ -8413,11 +8663,11 @@
           <a:lstStyle/>
           <a:p>
             <a:r>
-              <a:rPr lang="en-US" dirty="0"/>
+              <a:rPr lang="en-US"/>
               <a:t>Char </a:t>
             </a:r>
             <a:r>
-              <a:rPr lang="en-US" dirty="0" err="1"/>
+              <a:rPr lang="en-US" err="1"/>
               <a:t>darbības</a:t>
             </a:r>
           </a:p>
@@ -8464,6 +8714,18 @@
               <a:rPr lang="en-US" dirty="0" err="1"/>
               <a:t>saskaitīšana</a:t>
             </a:r>
+            <a:r>
+              <a:rPr lang="en-US" dirty="0"/>
+              <a:t>, </a:t>
+            </a:r>
+            <a:r>
+              <a:rPr lang="en-US" dirty="0" err="1"/>
+              <a:t>izvadīšana</a:t>
+            </a:r>
+            <a:r>
+              <a:rPr lang="en-US" dirty="0"/>
+              <a:t>.</a:t>
+            </a:r>
           </a:p>
           <a:p>
             <a:pPr>
@@ -8471,7 +8733,7 @@
                 <a:srgbClr val="8D1515"/>
               </a:buClr>
             </a:pPr>
-            <a:endParaRPr lang="en-US" dirty="0"/>
+            <a:endParaRPr lang="en-US"/>
           </a:p>
           <a:p>
             <a:pPr>
@@ -8479,7 +8741,7 @@
                 <a:srgbClr val="8D1515"/>
               </a:buClr>
             </a:pPr>
-            <a:endParaRPr lang="en-US" dirty="0"/>
+            <a:endParaRPr lang="en-US"/>
           </a:p>
           <a:p>
             <a:pPr>
@@ -8487,7 +8749,7 @@
                 <a:srgbClr val="8D1515"/>
               </a:buClr>
             </a:pPr>
-            <a:endParaRPr lang="en-US" dirty="0"/>
+            <a:endParaRPr lang="en-US"/>
           </a:p>
         </p:txBody>
       </p:sp>
@@ -8564,7 +8826,7 @@
 </p:sld>
 </file>
 
-<file path=ppt/slides/slide12.xml><?xml version="1.0" encoding="utf-8"?>
+<file path=ppt/slides/slide13.xml><?xml version="1.0" encoding="utf-8"?>
 <p:sld xmlns:a="http://schemas.openxmlformats.org/drawingml/2006/main" xmlns:r="http://schemas.openxmlformats.org/officeDocument/2006/relationships" xmlns:p="http://schemas.openxmlformats.org/presentationml/2006/main">
   <p:cSld>
     <p:spTree>
@@ -8603,19 +8865,19 @@
           <a:lstStyle/>
           <a:p>
             <a:r>
-              <a:rPr lang="en-US" dirty="0"/>
+              <a:rPr lang="en-US"/>
               <a:t>Datu </a:t>
             </a:r>
             <a:r>
-              <a:rPr lang="en-US" dirty="0" err="1"/>
+              <a:rPr lang="en-US" err="1"/>
               <a:t>tipa</a:t>
             </a:r>
             <a:r>
-              <a:rPr lang="en-US" dirty="0"/>
+              <a:rPr lang="en-US"/>
               <a:t> bool </a:t>
             </a:r>
             <a:r>
-              <a:rPr lang="en-US" dirty="0" err="1"/>
+              <a:rPr lang="en-US" err="1"/>
               <a:t>ipašības</a:t>
             </a:r>
           </a:p>
@@ -8643,55 +8905,55 @@
           <a:lstStyle/>
           <a:p>
             <a:r>
-              <a:rPr lang="en-US" dirty="0"/>
+              <a:rPr lang="en-US"/>
               <a:t>Bool </a:t>
             </a:r>
             <a:r>
-              <a:rPr lang="en-US" dirty="0" err="1"/>
+              <a:rPr lang="en-US" err="1"/>
               <a:t>mainīgiem</a:t>
             </a:r>
             <a:r>
-              <a:rPr lang="en-US" dirty="0"/>
+              <a:rPr lang="en-US"/>
               <a:t> </a:t>
             </a:r>
             <a:r>
-              <a:rPr lang="en-US" dirty="0" err="1"/>
+              <a:rPr lang="en-US" err="1"/>
               <a:t>ir</a:t>
             </a:r>
             <a:r>
-              <a:rPr lang="en-US" dirty="0"/>
+              <a:rPr lang="en-US"/>
               <a:t> </a:t>
             </a:r>
             <a:r>
-              <a:rPr lang="en-US" dirty="0" err="1"/>
+              <a:rPr lang="en-US" err="1"/>
               <a:t>tikai</a:t>
             </a:r>
             <a:r>
-              <a:rPr lang="en-US" dirty="0"/>
+              <a:rPr lang="en-US"/>
               <a:t> divas </a:t>
             </a:r>
             <a:r>
-              <a:rPr lang="en-US" dirty="0" err="1"/>
+              <a:rPr lang="en-US" err="1"/>
               <a:t>iespejamas</a:t>
             </a:r>
             <a:r>
-              <a:rPr lang="en-US" dirty="0"/>
+              <a:rPr lang="en-US"/>
               <a:t> </a:t>
             </a:r>
             <a:r>
-              <a:rPr lang="en-US" dirty="0" err="1"/>
+              <a:rPr lang="en-US" err="1"/>
               <a:t>vertības</a:t>
             </a:r>
             <a:r>
-              <a:rPr lang="en-US" dirty="0"/>
+              <a:rPr lang="en-US"/>
               <a:t>, true </a:t>
             </a:r>
             <a:r>
-              <a:rPr lang="en-US" dirty="0" err="1"/>
+              <a:rPr lang="en-US" err="1"/>
               <a:t>vai</a:t>
             </a:r>
             <a:r>
-              <a:rPr lang="en-US" dirty="0"/>
+              <a:rPr lang="en-US"/>
               <a:t> false.</a:t>
             </a:r>
           </a:p>
@@ -8701,7 +8963,7 @@
                 <a:srgbClr val="8D1515"/>
               </a:buClr>
             </a:pPr>
-            <a:endParaRPr lang="en-US" dirty="0"/>
+            <a:endParaRPr lang="en-US"/>
           </a:p>
           <a:p>
             <a:pPr>
@@ -8709,7 +8971,7 @@
                 <a:srgbClr val="8D1515"/>
               </a:buClr>
             </a:pPr>
-            <a:endParaRPr lang="en-US" dirty="0"/>
+            <a:endParaRPr lang="en-US"/>
           </a:p>
         </p:txBody>
       </p:sp>
@@ -8756,7 +9018,7 @@
 </p:sld>
 </file>
 
-<file path=ppt/slides/slide13.xml><?xml version="1.0" encoding="utf-8"?>
+<file path=ppt/slides/slide14.xml><?xml version="1.0" encoding="utf-8"?>
 <p:sld xmlns:a="http://schemas.openxmlformats.org/drawingml/2006/main" xmlns:r="http://schemas.openxmlformats.org/officeDocument/2006/relationships" xmlns:p="http://schemas.openxmlformats.org/presentationml/2006/main">
   <p:cSld>
     <p:spTree>
@@ -8795,11 +9057,11 @@
           <a:lstStyle/>
           <a:p>
             <a:r>
-              <a:rPr lang="en-US" dirty="0"/>
+              <a:rPr lang="en-US"/>
               <a:t>Bool </a:t>
             </a:r>
             <a:r>
-              <a:rPr lang="en-US" dirty="0" err="1"/>
+              <a:rPr lang="en-US" err="1"/>
               <a:t>darbības</a:t>
             </a:r>
           </a:p>
@@ -8827,7 +9089,7 @@
           <a:lstStyle/>
           <a:p>
             <a:r>
-              <a:rPr lang="en-US" err="1"/>
+              <a:rPr lang="en-US" dirty="0" err="1"/>
               <a:t>Darbības</a:t>
             </a:r>
             <a:r>
@@ -8835,10 +9097,13 @@
               <a:t>: </a:t>
             </a:r>
             <a:r>
-              <a:rPr lang="en-US" err="1"/>
+              <a:rPr lang="en-US" dirty="0" err="1"/>
               <a:t>salidzinašana</a:t>
             </a:r>
-            <a:endParaRPr lang="en-US" dirty="0"/>
+            <a:r>
+              <a:rPr lang="en-US" dirty="0"/>
+              <a:t>.</a:t>
+            </a:r>
           </a:p>
           <a:p>
             <a:pPr>
@@ -8846,7 +9111,7 @@
                 <a:srgbClr val="8D1515"/>
               </a:buClr>
             </a:pPr>
-            <a:endParaRPr lang="en-US" dirty="0"/>
+            <a:endParaRPr lang="en-US"/>
           </a:p>
           <a:p>
             <a:pPr>
@@ -8854,7 +9119,7 @@
                 <a:srgbClr val="8D1515"/>
               </a:buClr>
             </a:pPr>
-            <a:endParaRPr lang="en-US" dirty="0"/>
+            <a:endParaRPr lang="en-US"/>
           </a:p>
           <a:p>
             <a:pPr>
@@ -8862,7 +9127,7 @@
                 <a:srgbClr val="8D1515"/>
               </a:buClr>
             </a:pPr>
-            <a:endParaRPr lang="en-US" dirty="0"/>
+            <a:endParaRPr lang="en-US"/>
           </a:p>
           <a:p>
             <a:pPr>
@@ -8870,7 +9135,7 @@
                 <a:srgbClr val="8D1515"/>
               </a:buClr>
             </a:pPr>
-            <a:endParaRPr lang="en-US" dirty="0"/>
+            <a:endParaRPr lang="en-US"/>
           </a:p>
           <a:p>
             <a:pPr>
@@ -8878,7 +9143,7 @@
                 <a:srgbClr val="8D1515"/>
               </a:buClr>
             </a:pPr>
-            <a:endParaRPr lang="en-US" dirty="0"/>
+            <a:endParaRPr lang="en-US"/>
           </a:p>
         </p:txBody>
       </p:sp>
@@ -8955,7 +9220,7 @@
 </p:sld>
 </file>
 
-<file path=ppt/slides/slide14.xml><?xml version="1.0" encoding="utf-8"?>
+<file path=ppt/slides/slide15.xml><?xml version="1.0" encoding="utf-8"?>
 <p:sld xmlns:a="http://schemas.openxmlformats.org/drawingml/2006/main" xmlns:r="http://schemas.openxmlformats.org/officeDocument/2006/relationships" xmlns:p="http://schemas.openxmlformats.org/presentationml/2006/main">
   <p:cSld>
     <p:spTree>
@@ -8994,15 +9259,15 @@
           <a:lstStyle/>
           <a:p>
             <a:r>
-              <a:rPr lang="en-US" dirty="0" err="1"/>
+              <a:rPr lang="en-US" err="1"/>
               <a:t>Izmantotie</a:t>
             </a:r>
             <a:r>
-              <a:rPr lang="en-US" dirty="0"/>
+              <a:rPr lang="en-US"/>
               <a:t> </a:t>
             </a:r>
             <a:r>
-              <a:rPr lang="en-US" dirty="0" err="1"/>
+              <a:rPr lang="en-US" err="1"/>
               <a:t>resursi</a:t>
             </a:r>
           </a:p>
@@ -9030,7 +9295,7 @@
           <a:lstStyle/>
           <a:p>
             <a:r>
-              <a:rPr lang="en-US" dirty="0">
+              <a:rPr lang="en-US">
                 <a:hlinkClick r:id="rId2"/>
               </a:rPr>
               <a:t>Bool C#</a:t>
@@ -9044,12 +9309,12 @@
               </a:buClr>
             </a:pPr>
             <a:r>
-              <a:rPr lang="en-US" dirty="0">
+              <a:rPr lang="en-US">
                 <a:hlinkClick r:id="rId3"/>
               </a:rPr>
               <a:t>Int C#</a:t>
             </a:r>
-            <a:endParaRPr lang="en-US" dirty="0"/>
+            <a:endParaRPr lang="en-US"/>
           </a:p>
           <a:p>
             <a:pPr>
@@ -9058,7 +9323,7 @@
               </a:buClr>
             </a:pPr>
             <a:r>
-              <a:rPr lang="en-US" dirty="0">
+              <a:rPr lang="en-US">
                 <a:hlinkClick r:id="rId4"/>
               </a:rPr>
               <a:t>Double C#</a:t>
@@ -9071,12 +9336,12 @@
               </a:buClr>
             </a:pPr>
             <a:r>
-              <a:rPr lang="en-US" dirty="0">
+              <a:rPr lang="en-US">
                 <a:hlinkClick r:id="rId5"/>
               </a:rPr>
               <a:t>String C#</a:t>
             </a:r>
-            <a:endParaRPr lang="en-US" dirty="0"/>
+            <a:endParaRPr lang="en-US"/>
           </a:p>
           <a:p>
             <a:pPr>
@@ -9085,12 +9350,12 @@
               </a:buClr>
             </a:pPr>
             <a:r>
-              <a:rPr lang="en-US" dirty="0">
+              <a:rPr lang="en-US">
                 <a:hlinkClick r:id="rId6"/>
               </a:rPr>
               <a:t>Char C#</a:t>
             </a:r>
-            <a:endParaRPr lang="en-US" dirty="0"/>
+            <a:endParaRPr lang="en-US"/>
           </a:p>
         </p:txBody>
       </p:sp>
@@ -9146,23 +9411,23 @@
           <a:lstStyle/>
           <a:p>
             <a:r>
-              <a:rPr lang="en-US" dirty="0"/>
+              <a:rPr lang="en-US"/>
               <a:t>Kas </a:t>
             </a:r>
             <a:r>
-              <a:rPr lang="en-US" dirty="0" err="1"/>
+              <a:rPr lang="en-US" err="1"/>
               <a:t>ir</a:t>
             </a:r>
             <a:r>
-              <a:rPr lang="en-US" dirty="0"/>
+              <a:rPr lang="en-US"/>
               <a:t> </a:t>
             </a:r>
             <a:r>
-              <a:rPr lang="en-US" dirty="0" err="1"/>
+              <a:rPr lang="en-US" err="1"/>
               <a:t>mainīgais</a:t>
             </a:r>
             <a:r>
-              <a:rPr lang="en-US" dirty="0"/>
+              <a:rPr lang="en-US"/>
               <a:t>?</a:t>
             </a:r>
           </a:p>
@@ -9190,55 +9455,55 @@
           <a:lstStyle/>
           <a:p>
             <a:r>
-              <a:rPr lang="en-US" dirty="0"/>
+              <a:rPr lang="en-US"/>
               <a:t>Viss </a:t>
             </a:r>
             <a:r>
-              <a:rPr lang="en-US" dirty="0" err="1"/>
+              <a:rPr lang="en-US" err="1"/>
               <a:t>mainīgie</a:t>
             </a:r>
             <a:r>
-              <a:rPr lang="en-US" dirty="0"/>
+              <a:rPr lang="en-US"/>
               <a:t> </a:t>
             </a:r>
             <a:r>
-              <a:rPr lang="en-US" dirty="0" err="1"/>
+              <a:rPr lang="en-US" err="1"/>
               <a:t>sastav</a:t>
             </a:r>
             <a:r>
-              <a:rPr lang="en-US" dirty="0"/>
+              <a:rPr lang="en-US"/>
               <a:t> no data </a:t>
             </a:r>
             <a:r>
-              <a:rPr lang="en-US" dirty="0" err="1"/>
+              <a:rPr lang="en-US" err="1"/>
               <a:t>tipa</a:t>
             </a:r>
             <a:r>
-              <a:rPr lang="en-US" dirty="0"/>
+              <a:rPr lang="en-US"/>
               <a:t>, </a:t>
             </a:r>
             <a:r>
-              <a:rPr lang="en-US" dirty="0" err="1"/>
+              <a:rPr lang="en-US" err="1"/>
               <a:t>mainīga</a:t>
             </a:r>
             <a:r>
-              <a:rPr lang="en-US" dirty="0"/>
+              <a:rPr lang="en-US"/>
               <a:t> </a:t>
             </a:r>
             <a:r>
-              <a:rPr lang="en-US" dirty="0" err="1"/>
+              <a:rPr lang="en-US" err="1"/>
               <a:t>nosaukuma</a:t>
             </a:r>
             <a:r>
-              <a:rPr lang="en-US" dirty="0"/>
+              <a:rPr lang="en-US"/>
               <a:t> un ta </a:t>
             </a:r>
             <a:r>
-              <a:rPr lang="en-US" dirty="0" err="1"/>
+              <a:rPr lang="en-US" err="1"/>
               <a:t>vertību</a:t>
             </a:r>
             <a:r>
-              <a:rPr lang="en-US" dirty="0"/>
+              <a:rPr lang="en-US"/>
               <a:t>.</a:t>
             </a:r>
           </a:p>
@@ -9248,7 +9513,7 @@
                 <a:srgbClr val="8D1515"/>
               </a:buClr>
             </a:pPr>
-            <a:endParaRPr lang="en-US" dirty="0"/>
+            <a:endParaRPr lang="en-US"/>
           </a:p>
           <a:p>
             <a:pPr>
@@ -9256,7 +9521,7 @@
                 <a:srgbClr val="8D1515"/>
               </a:buClr>
             </a:pPr>
-            <a:endParaRPr lang="en-US" dirty="0"/>
+            <a:endParaRPr lang="en-US"/>
           </a:p>
           <a:p>
             <a:pPr>
@@ -9264,7 +9529,7 @@
                 <a:srgbClr val="8D1515"/>
               </a:buClr>
             </a:pPr>
-            <a:endParaRPr lang="en-US" dirty="0"/>
+            <a:endParaRPr lang="en-US"/>
           </a:p>
           <a:p>
             <a:pPr>
@@ -9272,7 +9537,7 @@
                 <a:srgbClr val="8D1515"/>
               </a:buClr>
             </a:pPr>
-            <a:endParaRPr lang="en-US" dirty="0"/>
+            <a:endParaRPr lang="en-US"/>
           </a:p>
           <a:p>
             <a:pPr>
@@ -9281,39 +9546,39 @@
               </a:buClr>
             </a:pPr>
             <a:r>
-              <a:rPr lang="en-US" dirty="0"/>
+              <a:rPr lang="en-US"/>
               <a:t>Viss </a:t>
             </a:r>
             <a:r>
-              <a:rPr lang="en-US" dirty="0" err="1"/>
+              <a:rPr lang="en-US" err="1"/>
               <a:t>biežak</a:t>
             </a:r>
             <a:r>
-              <a:rPr lang="en-US" dirty="0"/>
+              <a:rPr lang="en-US"/>
               <a:t> </a:t>
             </a:r>
             <a:r>
-              <a:rPr lang="en-US" dirty="0" err="1"/>
+              <a:rPr lang="en-US" err="1"/>
               <a:t>izantotie</a:t>
             </a:r>
             <a:r>
-              <a:rPr lang="en-US" dirty="0"/>
+              <a:rPr lang="en-US"/>
               <a:t> </a:t>
             </a:r>
             <a:r>
-              <a:rPr lang="en-US" dirty="0" err="1"/>
+              <a:rPr lang="en-US" err="1"/>
               <a:t>datu</a:t>
             </a:r>
             <a:r>
-              <a:rPr lang="en-US" dirty="0"/>
+              <a:rPr lang="en-US"/>
               <a:t> tipi C# </a:t>
             </a:r>
             <a:r>
-              <a:rPr lang="en-US" dirty="0" err="1"/>
+              <a:rPr lang="en-US" err="1"/>
               <a:t>valoda</a:t>
             </a:r>
             <a:r>
-              <a:rPr lang="en-US" dirty="0"/>
+              <a:rPr lang="en-US"/>
               <a:t>: string, int, double, bool, char</a:t>
             </a:r>
           </a:p>
@@ -9431,23 +9696,23 @@
           <a:lstStyle/>
           <a:p>
             <a:r>
-              <a:rPr lang="en-US" dirty="0"/>
+              <a:rPr lang="en-US"/>
               <a:t>Kur </a:t>
             </a:r>
             <a:r>
-              <a:rPr lang="en-US" dirty="0" err="1"/>
+              <a:rPr lang="en-US" err="1"/>
               <a:t>izmanto</a:t>
             </a:r>
             <a:r>
-              <a:rPr lang="en-US" dirty="0"/>
+              <a:rPr lang="en-US"/>
               <a:t> </a:t>
             </a:r>
             <a:r>
-              <a:rPr lang="en-US" dirty="0" err="1"/>
+              <a:rPr lang="en-US" err="1"/>
               <a:t>mainīgos</a:t>
             </a:r>
             <a:r>
-              <a:rPr lang="en-US" dirty="0"/>
+              <a:rPr lang="en-US"/>
               <a:t>?</a:t>
             </a:r>
           </a:p>
@@ -9475,75 +9740,75 @@
           <a:lstStyle/>
           <a:p>
             <a:r>
-              <a:rPr lang="en-US" dirty="0" err="1"/>
+              <a:rPr lang="en-US" err="1"/>
               <a:t>Mainīgos</a:t>
             </a:r>
             <a:r>
-              <a:rPr lang="en-US" dirty="0"/>
+              <a:rPr lang="en-US"/>
               <a:t> </a:t>
             </a:r>
             <a:r>
-              <a:rPr lang="en-US" dirty="0" err="1"/>
+              <a:rPr lang="en-US" err="1"/>
               <a:t>izmanto</a:t>
             </a:r>
             <a:r>
-              <a:rPr lang="en-US" dirty="0"/>
+              <a:rPr lang="en-US"/>
               <a:t> </a:t>
             </a:r>
             <a:r>
-              <a:rPr lang="en-US" dirty="0" err="1"/>
+              <a:rPr lang="en-US" err="1"/>
               <a:t>lai</a:t>
             </a:r>
             <a:r>
-              <a:rPr lang="en-US" dirty="0"/>
+              <a:rPr lang="en-US"/>
               <a:t> </a:t>
             </a:r>
             <a:r>
-              <a:rPr lang="en-US" dirty="0" err="1"/>
+              <a:rPr lang="en-US" err="1"/>
               <a:t>uzturētu</a:t>
             </a:r>
             <a:r>
-              <a:rPr lang="en-US" dirty="0"/>
+              <a:rPr lang="en-US"/>
               <a:t> </a:t>
             </a:r>
             <a:r>
-              <a:rPr lang="en-US" dirty="0" err="1"/>
+              <a:rPr lang="en-US" err="1"/>
               <a:t>vertibas</a:t>
             </a:r>
             <a:r>
-              <a:rPr lang="en-US" dirty="0"/>
+              <a:rPr lang="en-US"/>
               <a:t>, </a:t>
             </a:r>
             <a:r>
-              <a:rPr lang="en-US" dirty="0" err="1"/>
+              <a:rPr lang="en-US" err="1"/>
               <a:t>kuras</a:t>
             </a:r>
             <a:r>
-              <a:rPr lang="en-US" dirty="0"/>
+              <a:rPr lang="en-US"/>
               <a:t> </a:t>
             </a:r>
             <a:r>
-              <a:rPr lang="en-US" dirty="0" err="1"/>
+              <a:rPr lang="en-US" err="1"/>
               <a:t>velāk</a:t>
             </a:r>
             <a:r>
-              <a:rPr lang="en-US" dirty="0"/>
+              <a:rPr lang="en-US"/>
               <a:t> </a:t>
             </a:r>
             <a:r>
-              <a:rPr lang="en-US" dirty="0" err="1"/>
+              <a:rPr lang="en-US" err="1"/>
               <a:t>izmanto</a:t>
             </a:r>
             <a:r>
-              <a:rPr lang="en-US" dirty="0"/>
+              <a:rPr lang="en-US"/>
               <a:t> </a:t>
             </a:r>
             <a:r>
-              <a:rPr lang="en-US" dirty="0" err="1"/>
+              <a:rPr lang="en-US" err="1"/>
               <a:t>darbības</a:t>
             </a:r>
             <a:r>
-              <a:rPr lang="en-US" dirty="0"/>
+              <a:rPr lang="en-US"/>
               <a:t>.</a:t>
             </a:r>
           </a:p>
@@ -9554,91 +9819,91 @@
               </a:buClr>
             </a:pPr>
             <a:r>
-              <a:rPr lang="en-US" dirty="0" err="1"/>
+              <a:rPr lang="en-US" err="1"/>
               <a:t>Katram</a:t>
             </a:r>
             <a:r>
-              <a:rPr lang="en-US" dirty="0"/>
+              <a:rPr lang="en-US"/>
               <a:t> </a:t>
             </a:r>
             <a:r>
-              <a:rPr lang="en-US" dirty="0" err="1"/>
+              <a:rPr lang="en-US" err="1"/>
               <a:t>datu</a:t>
             </a:r>
             <a:r>
-              <a:rPr lang="en-US" dirty="0"/>
+              <a:rPr lang="en-US"/>
               <a:t> </a:t>
             </a:r>
             <a:r>
-              <a:rPr lang="en-US" dirty="0" err="1"/>
+              <a:rPr lang="en-US" err="1"/>
               <a:t>tipam</a:t>
             </a:r>
             <a:r>
-              <a:rPr lang="en-US" dirty="0"/>
+              <a:rPr lang="en-US"/>
               <a:t> </a:t>
             </a:r>
             <a:r>
-              <a:rPr lang="en-US" dirty="0" err="1"/>
+              <a:rPr lang="en-US" err="1"/>
               <a:t>ir</a:t>
             </a:r>
             <a:r>
-              <a:rPr lang="en-US" dirty="0"/>
+              <a:rPr lang="en-US"/>
               <a:t> </a:t>
             </a:r>
             <a:r>
-              <a:rPr lang="en-US" dirty="0" err="1"/>
+              <a:rPr lang="en-US" err="1"/>
               <a:t>savas</a:t>
             </a:r>
             <a:r>
-              <a:rPr lang="en-US" dirty="0"/>
+              <a:rPr lang="en-US"/>
               <a:t> </a:t>
             </a:r>
             <a:r>
-              <a:rPr lang="en-US" dirty="0" err="1"/>
+              <a:rPr lang="en-US" err="1"/>
               <a:t>darbības</a:t>
             </a:r>
             <a:r>
-              <a:rPr lang="en-US" dirty="0"/>
+              <a:rPr lang="en-US"/>
               <a:t>, bet </a:t>
             </a:r>
             <a:r>
-              <a:rPr lang="en-US" dirty="0" err="1"/>
+              <a:rPr lang="en-US" err="1"/>
               <a:t>dažas</a:t>
             </a:r>
             <a:r>
-              <a:rPr lang="en-US" dirty="0"/>
+              <a:rPr lang="en-US"/>
               <a:t> </a:t>
             </a:r>
             <a:r>
-              <a:rPr lang="en-US" dirty="0" err="1"/>
+              <a:rPr lang="en-US" err="1"/>
               <a:t>ir</a:t>
             </a:r>
             <a:r>
-              <a:rPr lang="en-US" dirty="0"/>
+              <a:rPr lang="en-US"/>
               <a:t> </a:t>
             </a:r>
             <a:r>
-              <a:rPr lang="en-US" dirty="0" err="1"/>
+              <a:rPr lang="en-US" err="1"/>
               <a:t>vairakiem</a:t>
             </a:r>
             <a:r>
-              <a:rPr lang="en-US" dirty="0"/>
+              <a:rPr lang="en-US"/>
               <a:t> </a:t>
             </a:r>
             <a:r>
-              <a:rPr lang="en-US" dirty="0" err="1"/>
+              <a:rPr lang="en-US" err="1"/>
               <a:t>datu</a:t>
             </a:r>
             <a:r>
-              <a:rPr lang="en-US" dirty="0"/>
+              <a:rPr lang="en-US"/>
               <a:t> </a:t>
             </a:r>
             <a:r>
-              <a:rPr lang="en-US" dirty="0" err="1"/>
+              <a:rPr lang="en-US" err="1"/>
               <a:t>tipiem</a:t>
             </a:r>
             <a:r>
-              <a:rPr lang="en-US" dirty="0"/>
+              <a:rPr lang="en-US"/>
               <a:t>.</a:t>
             </a:r>
           </a:p>
@@ -9696,19 +9961,19 @@
           <a:lstStyle/>
           <a:p>
             <a:r>
-              <a:rPr lang="en-US" dirty="0"/>
+              <a:rPr lang="en-US"/>
               <a:t>Datu </a:t>
             </a:r>
             <a:r>
-              <a:rPr lang="en-US" dirty="0" err="1"/>
+              <a:rPr lang="en-US" err="1"/>
               <a:t>tipa</a:t>
             </a:r>
             <a:r>
-              <a:rPr lang="en-US" dirty="0"/>
+              <a:rPr lang="en-US"/>
               <a:t> int </a:t>
             </a:r>
             <a:r>
-              <a:rPr lang="en-US" dirty="0" err="1"/>
+              <a:rPr lang="en-US" err="1"/>
               <a:t>ipašības</a:t>
             </a:r>
           </a:p>
@@ -9736,43 +10001,43 @@
           <a:lstStyle/>
           <a:p>
             <a:r>
-              <a:rPr lang="en-US" dirty="0" err="1"/>
+              <a:rPr lang="en-US" err="1"/>
               <a:t>Vār</a:t>
             </a:r>
             <a:r>
-              <a:rPr lang="en-US" dirty="0"/>
+              <a:rPr lang="en-US"/>
               <a:t> tika </a:t>
             </a:r>
             <a:r>
-              <a:rPr lang="en-US" dirty="0" err="1"/>
+              <a:rPr lang="en-US" err="1"/>
               <a:t>veselus</a:t>
             </a:r>
             <a:r>
-              <a:rPr lang="en-US" dirty="0"/>
+              <a:rPr lang="en-US"/>
               <a:t> </a:t>
             </a:r>
             <a:r>
-              <a:rPr lang="en-US" dirty="0" err="1"/>
+              <a:rPr lang="en-US" err="1"/>
               <a:t>skaitļus</a:t>
             </a:r>
             <a:r>
-              <a:rPr lang="en-US" dirty="0"/>
+              <a:rPr lang="en-US"/>
               <a:t> </a:t>
             </a:r>
             <a:r>
-              <a:rPr lang="en-US" dirty="0" err="1"/>
+              <a:rPr lang="en-US" err="1"/>
               <a:t>uzturēt</a:t>
             </a:r>
             <a:r>
-              <a:rPr lang="en-US" dirty="0"/>
+              <a:rPr lang="en-US"/>
               <a:t> ka </a:t>
             </a:r>
             <a:r>
-              <a:rPr lang="en-US" dirty="0" err="1"/>
+              <a:rPr lang="en-US" err="1"/>
               <a:t>vertības</a:t>
             </a:r>
             <a:r>
-              <a:rPr lang="en-US" dirty="0"/>
+              <a:rPr lang="en-US"/>
               <a:t>.</a:t>
             </a:r>
           </a:p>
@@ -9782,7 +10047,7 @@
                 <a:srgbClr val="8D1515"/>
               </a:buClr>
             </a:pPr>
-            <a:endParaRPr lang="en-US" dirty="0"/>
+            <a:endParaRPr lang="en-US"/>
           </a:p>
         </p:txBody>
       </p:sp>
@@ -9868,11 +10133,11 @@
           <a:lstStyle/>
           <a:p>
             <a:r>
-              <a:rPr lang="en-US" dirty="0"/>
+              <a:rPr lang="en-US"/>
               <a:t>int </a:t>
             </a:r>
             <a:r>
-              <a:rPr lang="en-US" dirty="0" err="1"/>
+              <a:rPr lang="en-US" err="1"/>
               <a:t>darbības</a:t>
             </a:r>
             <a:endParaRPr lang="en-US"/>
@@ -9905,7 +10170,7 @@
               <a:t>Darbības</a:t>
             </a:r>
             <a:r>
-              <a:rPr lang="en-US" dirty="0"/>
+              <a:rPr lang="en-US"/>
               <a:t>: Math </a:t>
             </a:r>
             <a:r>
@@ -9913,7 +10178,7 @@
               <a:t>klasses</a:t>
             </a:r>
             <a:r>
-              <a:rPr lang="en-US" dirty="0"/>
+              <a:rPr lang="en-US"/>
               <a:t> </a:t>
             </a:r>
             <a:r>
@@ -9921,7 +10186,7 @@
               <a:t>darbības</a:t>
             </a:r>
             <a:r>
-              <a:rPr lang="en-US" dirty="0"/>
+              <a:rPr lang="en-US"/>
               <a:t>, </a:t>
             </a:r>
             <a:r>
@@ -9929,7 +10194,7 @@
               <a:t>saskaitišana</a:t>
             </a:r>
             <a:r>
-              <a:rPr lang="en-US" dirty="0"/>
+              <a:rPr lang="en-US"/>
               <a:t>, </a:t>
             </a:r>
             <a:r>
@@ -9937,7 +10202,7 @@
               <a:t>atņemšana</a:t>
             </a:r>
             <a:r>
-              <a:rPr lang="en-US" dirty="0"/>
+              <a:rPr lang="en-US"/>
               <a:t>, </a:t>
             </a:r>
             <a:r>
@@ -9945,7 +10210,7 @@
               <a:t>reizināšana</a:t>
             </a:r>
             <a:r>
-              <a:rPr lang="en-US" dirty="0"/>
+              <a:rPr lang="en-US"/>
               <a:t>, </a:t>
             </a:r>
             <a:r>
@@ -9953,7 +10218,7 @@
               <a:t>dalīšana</a:t>
             </a:r>
             <a:r>
-              <a:rPr lang="en-US" dirty="0"/>
+              <a:rPr lang="en-US"/>
               <a:t>, </a:t>
             </a:r>
             <a:r>
@@ -9961,7 +10226,7 @@
               <a:t>izvadīšana</a:t>
             </a:r>
             <a:r>
-              <a:rPr lang="en-US" dirty="0"/>
+              <a:rPr lang="en-US"/>
               <a:t>.</a:t>
             </a:r>
           </a:p>
@@ -9971,7 +10236,7 @@
                 <a:srgbClr val="8D1515"/>
               </a:buClr>
             </a:pPr>
-            <a:endParaRPr lang="en-US" dirty="0"/>
+            <a:endParaRPr lang="en-US"/>
           </a:p>
           <a:p>
             <a:pPr lvl="1">
@@ -9979,7 +10244,7 @@
                 <a:srgbClr val="8D1515"/>
               </a:buClr>
             </a:pPr>
-            <a:endParaRPr lang="en-US" dirty="0"/>
+            <a:endParaRPr lang="en-US"/>
           </a:p>
           <a:p>
             <a:pPr>
@@ -9987,7 +10252,7 @@
                 <a:srgbClr val="8D1515"/>
               </a:buClr>
             </a:pPr>
-            <a:endParaRPr lang="en-US" dirty="0"/>
+            <a:endParaRPr lang="en-US"/>
           </a:p>
           <a:p>
             <a:pPr>
@@ -9995,7 +10260,7 @@
                 <a:srgbClr val="8D1515"/>
               </a:buClr>
             </a:pPr>
-            <a:endParaRPr lang="en-US" dirty="0"/>
+            <a:endParaRPr lang="en-US"/>
           </a:p>
         </p:txBody>
       </p:sp>
@@ -10111,19 +10376,19 @@
           <a:lstStyle/>
           <a:p>
             <a:r>
-              <a:rPr lang="en-US" dirty="0"/>
+              <a:rPr lang="en-US"/>
               <a:t>Datu </a:t>
             </a:r>
             <a:r>
-              <a:rPr lang="en-US" dirty="0" err="1"/>
+              <a:rPr lang="en-US" err="1"/>
               <a:t>tipa</a:t>
             </a:r>
             <a:r>
-              <a:rPr lang="en-US" dirty="0"/>
+              <a:rPr lang="en-US"/>
               <a:t> double </a:t>
             </a:r>
             <a:r>
-              <a:rPr lang="en-US" dirty="0" err="1"/>
+              <a:rPr lang="en-US" err="1"/>
               <a:t>ipašības</a:t>
             </a:r>
           </a:p>
@@ -10151,39 +10416,39 @@
           <a:lstStyle/>
           <a:p>
             <a:r>
-              <a:rPr lang="en-US" dirty="0"/>
+              <a:rPr lang="en-US"/>
               <a:t>Var </a:t>
             </a:r>
             <a:r>
-              <a:rPr lang="en-US" dirty="0" err="1"/>
+              <a:rPr lang="en-US" err="1"/>
               <a:t>uzturēt</a:t>
             </a:r>
             <a:r>
-              <a:rPr lang="en-US" dirty="0"/>
+              <a:rPr lang="en-US"/>
               <a:t> </a:t>
             </a:r>
             <a:r>
-              <a:rPr lang="en-US" dirty="0" err="1"/>
+              <a:rPr lang="en-US" err="1"/>
               <a:t>realus</a:t>
             </a:r>
             <a:r>
-              <a:rPr lang="en-US" dirty="0"/>
+              <a:rPr lang="en-US"/>
               <a:t> </a:t>
             </a:r>
             <a:r>
-              <a:rPr lang="en-US" dirty="0" err="1"/>
+              <a:rPr lang="en-US" err="1"/>
               <a:t>skaitļus</a:t>
             </a:r>
             <a:r>
-              <a:rPr lang="en-US" dirty="0"/>
+              <a:rPr lang="en-US"/>
               <a:t> ka </a:t>
             </a:r>
             <a:r>
-              <a:rPr lang="en-US" dirty="0" err="1"/>
+              <a:rPr lang="en-US" err="1"/>
               <a:t>vertības</a:t>
             </a:r>
             <a:r>
-              <a:rPr lang="en-US" dirty="0"/>
+              <a:rPr lang="en-US"/>
               <a:t>.</a:t>
             </a:r>
           </a:p>
@@ -10193,7 +10458,7 @@
                 <a:srgbClr val="8D1515"/>
               </a:buClr>
             </a:pPr>
-            <a:endParaRPr lang="en-US" dirty="0"/>
+            <a:endParaRPr lang="en-US"/>
           </a:p>
         </p:txBody>
       </p:sp>
@@ -10279,14 +10544,14 @@
           <a:lstStyle/>
           <a:p>
             <a:r>
-              <a:rPr lang="en-US" dirty="0"/>
+              <a:rPr lang="en-US"/>
               <a:t>double </a:t>
             </a:r>
             <a:r>
-              <a:rPr lang="en-US" dirty="0" err="1"/>
+              <a:rPr lang="en-US" err="1"/>
               <a:t>darbības</a:t>
             </a:r>
-            <a:endParaRPr lang="en-US" dirty="0"/>
+            <a:endParaRPr lang="en-US"/>
           </a:p>
         </p:txBody>
       </p:sp>
@@ -10316,7 +10581,7 @@
               <a:t>Darbības</a:t>
             </a:r>
             <a:r>
-              <a:rPr lang="en-US" dirty="0"/>
+              <a:rPr lang="en-US"/>
               <a:t>: Math </a:t>
             </a:r>
             <a:r>
@@ -10324,7 +10589,7 @@
               <a:t>klasses</a:t>
             </a:r>
             <a:r>
-              <a:rPr lang="en-US" dirty="0"/>
+              <a:rPr lang="en-US"/>
               <a:t> </a:t>
             </a:r>
             <a:r>
@@ -10332,7 +10597,7 @@
               <a:t>darbības</a:t>
             </a:r>
             <a:r>
-              <a:rPr lang="en-US" dirty="0"/>
+              <a:rPr lang="en-US"/>
               <a:t>, </a:t>
             </a:r>
             <a:r>
@@ -10340,7 +10605,7 @@
               <a:t>saskaitīšana</a:t>
             </a:r>
             <a:r>
-              <a:rPr lang="en-US" dirty="0"/>
+              <a:rPr lang="en-US"/>
               <a:t>, </a:t>
             </a:r>
             <a:r>
@@ -10348,7 +10613,7 @@
               <a:t>atņemšana</a:t>
             </a:r>
             <a:r>
-              <a:rPr lang="en-US" dirty="0"/>
+              <a:rPr lang="en-US"/>
               <a:t>, </a:t>
             </a:r>
             <a:r>
@@ -10356,7 +10621,7 @@
               <a:t>reizināšana</a:t>
             </a:r>
             <a:r>
-              <a:rPr lang="en-US" dirty="0"/>
+              <a:rPr lang="en-US"/>
               <a:t>, </a:t>
             </a:r>
             <a:r>
@@ -10364,7 +10629,7 @@
               <a:t>dalīšana</a:t>
             </a:r>
             <a:r>
-              <a:rPr lang="en-US" dirty="0"/>
+              <a:rPr lang="en-US"/>
               <a:t>, </a:t>
             </a:r>
             <a:r>
@@ -10379,7 +10644,7 @@
                 <a:srgbClr val="8D1515"/>
               </a:buClr>
             </a:pPr>
-            <a:endParaRPr lang="en-US" dirty="0"/>
+            <a:endParaRPr lang="en-US"/>
           </a:p>
           <a:p>
             <a:pPr>
@@ -10387,7 +10652,7 @@
                 <a:srgbClr val="8D1515"/>
               </a:buClr>
             </a:pPr>
-            <a:endParaRPr lang="en-US" dirty="0"/>
+            <a:endParaRPr lang="en-US"/>
           </a:p>
           <a:p>
             <a:pPr>
@@ -10395,7 +10660,7 @@
                 <a:srgbClr val="8D1515"/>
               </a:buClr>
             </a:pPr>
-            <a:endParaRPr lang="en-US" dirty="0"/>
+            <a:endParaRPr lang="en-US"/>
           </a:p>
         </p:txBody>
       </p:sp>
@@ -10511,19 +10776,19 @@
           <a:lstStyle/>
           <a:p>
             <a:r>
-              <a:rPr lang="en-US" dirty="0"/>
+              <a:rPr lang="en-US"/>
               <a:t>Datu </a:t>
             </a:r>
             <a:r>
-              <a:rPr lang="en-US" dirty="0" err="1"/>
+              <a:rPr lang="en-US" err="1"/>
               <a:t>tipu</a:t>
             </a:r>
             <a:r>
-              <a:rPr lang="en-US" dirty="0"/>
+              <a:rPr lang="en-US"/>
               <a:t> string </a:t>
             </a:r>
             <a:r>
-              <a:rPr lang="en-US" dirty="0" err="1"/>
+              <a:rPr lang="en-US" err="1"/>
               <a:t>ipašības</a:t>
             </a:r>
           </a:p>
@@ -10551,7 +10816,7 @@
           <a:lstStyle/>
           <a:p>
             <a:r>
-              <a:rPr lang="en-US" dirty="0"/>
+              <a:rPr lang="en-US"/>
               <a:t>String </a:t>
             </a:r>
             <a:r>
@@ -10559,7 +10824,7 @@
               <a:t>vertības</a:t>
             </a:r>
             <a:r>
-              <a:rPr lang="en-US" dirty="0"/>
+              <a:rPr lang="en-US"/>
               <a:t> </a:t>
             </a:r>
             <a:r>
@@ -10567,7 +10832,7 @@
               <a:t>tiek</a:t>
             </a:r>
             <a:r>
-              <a:rPr lang="en-US" dirty="0"/>
+              <a:rPr lang="en-US"/>
               <a:t> </a:t>
             </a:r>
             <a:r>
@@ -10575,7 +10840,7 @@
               <a:t>uzturētas</a:t>
             </a:r>
             <a:r>
-              <a:rPr lang="en-US" dirty="0"/>
+              <a:rPr lang="en-US"/>
               <a:t> ka </a:t>
             </a:r>
             <a:r>
@@ -10583,7 +10848,7 @@
               <a:t>tekst</a:t>
             </a:r>
             <a:r>
-              <a:rPr lang="en-US" dirty="0"/>
+              <a:rPr lang="en-US"/>
               <a:t> </a:t>
             </a:r>
             <a:r>
@@ -10591,7 +10856,7 @@
               <a:t>vai</a:t>
             </a:r>
             <a:r>
-              <a:rPr lang="en-US" dirty="0"/>
+              <a:rPr lang="en-US"/>
               <a:t> </a:t>
             </a:r>
             <a:r>
@@ -10599,7 +10864,7 @@
               <a:t>vardi</a:t>
             </a:r>
             <a:r>
-              <a:rPr lang="en-US" dirty="0"/>
+              <a:rPr lang="en-US"/>
               <a:t>.</a:t>
             </a:r>
           </a:p>
@@ -10610,55 +10875,55 @@
               </a:buClr>
             </a:pPr>
             <a:r>
-              <a:rPr lang="en-US" dirty="0"/>
+              <a:rPr lang="en-US"/>
               <a:t>Lai </a:t>
             </a:r>
             <a:r>
-              <a:rPr lang="en-US" dirty="0" err="1"/>
+              <a:rPr lang="en-US" err="1"/>
               <a:t>ievadītu</a:t>
             </a:r>
             <a:r>
-              <a:rPr lang="en-US" dirty="0"/>
+              <a:rPr lang="en-US"/>
               <a:t> </a:t>
             </a:r>
             <a:r>
-              <a:rPr lang="en-US" dirty="0" err="1"/>
+              <a:rPr lang="en-US" err="1"/>
               <a:t>tekstu</a:t>
             </a:r>
             <a:r>
-              <a:rPr lang="en-US" dirty="0"/>
+              <a:rPr lang="en-US"/>
               <a:t> </a:t>
             </a:r>
             <a:r>
-              <a:rPr lang="en-US" dirty="0" err="1"/>
+              <a:rPr lang="en-US" err="1"/>
               <a:t>vai</a:t>
             </a:r>
             <a:r>
-              <a:rPr lang="en-US" dirty="0"/>
+              <a:rPr lang="en-US"/>
               <a:t> </a:t>
             </a:r>
             <a:r>
-              <a:rPr lang="en-US" dirty="0" err="1"/>
+              <a:rPr lang="en-US" err="1"/>
               <a:t>vardu</a:t>
             </a:r>
             <a:r>
-              <a:rPr lang="en-US" dirty="0"/>
+              <a:rPr lang="en-US"/>
               <a:t> string </a:t>
             </a:r>
             <a:r>
-              <a:rPr lang="en-US" dirty="0" err="1"/>
+              <a:rPr lang="en-US" err="1"/>
               <a:t>mainīgajā</a:t>
             </a:r>
             <a:r>
-              <a:rPr lang="en-US" dirty="0"/>
+              <a:rPr lang="en-US"/>
               <a:t> </a:t>
             </a:r>
             <a:r>
-              <a:rPr lang="en-US" dirty="0" err="1"/>
+              <a:rPr lang="en-US" err="1"/>
               <a:t>izmanto</a:t>
             </a:r>
             <a:r>
-              <a:rPr lang="en-US" dirty="0"/>
+              <a:rPr lang="en-US"/>
               <a:t>: " "</a:t>
             </a:r>
           </a:p>
@@ -10668,7 +10933,7 @@
                 <a:srgbClr val="8D1515"/>
               </a:buClr>
             </a:pPr>
-            <a:endParaRPr lang="en-US" dirty="0"/>
+            <a:endParaRPr lang="en-US"/>
           </a:p>
         </p:txBody>
       </p:sp>
@@ -10754,11 +11019,11 @@
           <a:lstStyle/>
           <a:p>
             <a:r>
-              <a:rPr lang="en-US" dirty="0"/>
+              <a:rPr lang="en-US"/>
               <a:t>String </a:t>
             </a:r>
             <a:r>
-              <a:rPr lang="en-US" dirty="0" err="1"/>
+              <a:rPr lang="en-US" err="1"/>
               <a:t>darbības</a:t>
             </a:r>
             <a:endParaRPr lang="en-US"/>
@@ -10824,6 +11089,14 @@
             </a:r>
             <a:r>
               <a:rPr lang="en-US" dirty="0"/>
+              <a:t>, </a:t>
+            </a:r>
+            <a:r>
+              <a:rPr lang="en-US" dirty="0" err="1"/>
+              <a:t>izvadīšana</a:t>
+            </a:r>
+            <a:r>
+              <a:rPr lang="en-US" dirty="0"/>
               <a:t>.</a:t>
             </a:r>
           </a:p>
@@ -10833,7 +11106,7 @@
                 <a:srgbClr val="8D1515"/>
               </a:buClr>
             </a:pPr>
-            <a:endParaRPr lang="en-US" dirty="0"/>
+            <a:endParaRPr lang="en-US"/>
           </a:p>
           <a:p>
             <a:pPr>
@@ -10841,7 +11114,7 @@
                 <a:srgbClr val="8D1515"/>
               </a:buClr>
             </a:pPr>
-            <a:endParaRPr lang="en-US" dirty="0"/>
+            <a:endParaRPr lang="en-US"/>
           </a:p>
         </p:txBody>
       </p:sp>
